--- a/Documents/TIWProject.pptx
+++ b/Documents/TIWProject.pptx
@@ -7,7 +7,17 @@
   <p:sldIdLst>
     <p:sldId id="256" r:id="rId2"/>
     <p:sldId id="257" r:id="rId3"/>
-    <p:sldId id="258" r:id="rId4"/>
+    <p:sldId id="267" r:id="rId4"/>
+    <p:sldId id="270" r:id="rId5"/>
+    <p:sldId id="269" r:id="rId6"/>
+    <p:sldId id="271" r:id="rId7"/>
+    <p:sldId id="272" r:id="rId8"/>
+    <p:sldId id="260" r:id="rId9"/>
+    <p:sldId id="262" r:id="rId10"/>
+    <p:sldId id="263" r:id="rId11"/>
+    <p:sldId id="261" r:id="rId12"/>
+    <p:sldId id="264" r:id="rId13"/>
+    <p:sldId id="265" r:id="rId14"/>
   </p:sldIdLst>
   <p:sldSz cx="12192000" cy="6858000"/>
   <p:notesSz cx="6858000" cy="9144000"/>
@@ -261,7 +271,7 @@
           <a:p>
             <a:fld id="{9095D452-AC6C-4F76-AAC2-D7F0BCF6D03B}" type="datetimeFigureOut">
               <a:rPr lang="it-IT" smtClean="0"/>
-              <a:t>04/08/2021</a:t>
+              <a:t>12/08/2021</a:t>
             </a:fld>
             <a:endParaRPr lang="it-IT"/>
           </a:p>
@@ -459,7 +469,7 @@
           <a:p>
             <a:fld id="{9095D452-AC6C-4F76-AAC2-D7F0BCF6D03B}" type="datetimeFigureOut">
               <a:rPr lang="it-IT" smtClean="0"/>
-              <a:t>04/08/2021</a:t>
+              <a:t>12/08/2021</a:t>
             </a:fld>
             <a:endParaRPr lang="it-IT"/>
           </a:p>
@@ -667,7 +677,7 @@
           <a:p>
             <a:fld id="{9095D452-AC6C-4F76-AAC2-D7F0BCF6D03B}" type="datetimeFigureOut">
               <a:rPr lang="it-IT" smtClean="0"/>
-              <a:t>04/08/2021</a:t>
+              <a:t>12/08/2021</a:t>
             </a:fld>
             <a:endParaRPr lang="it-IT"/>
           </a:p>
@@ -865,7 +875,7 @@
           <a:p>
             <a:fld id="{9095D452-AC6C-4F76-AAC2-D7F0BCF6D03B}" type="datetimeFigureOut">
               <a:rPr lang="it-IT" smtClean="0"/>
-              <a:t>04/08/2021</a:t>
+              <a:t>12/08/2021</a:t>
             </a:fld>
             <a:endParaRPr lang="it-IT"/>
           </a:p>
@@ -1140,7 +1150,7 @@
           <a:p>
             <a:fld id="{9095D452-AC6C-4F76-AAC2-D7F0BCF6D03B}" type="datetimeFigureOut">
               <a:rPr lang="it-IT" smtClean="0"/>
-              <a:t>04/08/2021</a:t>
+              <a:t>12/08/2021</a:t>
             </a:fld>
             <a:endParaRPr lang="it-IT"/>
           </a:p>
@@ -1405,7 +1415,7 @@
           <a:p>
             <a:fld id="{9095D452-AC6C-4F76-AAC2-D7F0BCF6D03B}" type="datetimeFigureOut">
               <a:rPr lang="it-IT" smtClean="0"/>
-              <a:t>04/08/2021</a:t>
+              <a:t>12/08/2021</a:t>
             </a:fld>
             <a:endParaRPr lang="it-IT"/>
           </a:p>
@@ -1817,7 +1827,7 @@
           <a:p>
             <a:fld id="{9095D452-AC6C-4F76-AAC2-D7F0BCF6D03B}" type="datetimeFigureOut">
               <a:rPr lang="it-IT" smtClean="0"/>
-              <a:t>04/08/2021</a:t>
+              <a:t>12/08/2021</a:t>
             </a:fld>
             <a:endParaRPr lang="it-IT"/>
           </a:p>
@@ -1958,7 +1968,7 @@
           <a:p>
             <a:fld id="{9095D452-AC6C-4F76-AAC2-D7F0BCF6D03B}" type="datetimeFigureOut">
               <a:rPr lang="it-IT" smtClean="0"/>
-              <a:t>04/08/2021</a:t>
+              <a:t>12/08/2021</a:t>
             </a:fld>
             <a:endParaRPr lang="it-IT"/>
           </a:p>
@@ -2071,7 +2081,7 @@
           <a:p>
             <a:fld id="{9095D452-AC6C-4F76-AAC2-D7F0BCF6D03B}" type="datetimeFigureOut">
               <a:rPr lang="it-IT" smtClean="0"/>
-              <a:t>04/08/2021</a:t>
+              <a:t>12/08/2021</a:t>
             </a:fld>
             <a:endParaRPr lang="it-IT"/>
           </a:p>
@@ -2382,7 +2392,7 @@
           <a:p>
             <a:fld id="{9095D452-AC6C-4F76-AAC2-D7F0BCF6D03B}" type="datetimeFigureOut">
               <a:rPr lang="it-IT" smtClean="0"/>
-              <a:t>04/08/2021</a:t>
+              <a:t>12/08/2021</a:t>
             </a:fld>
             <a:endParaRPr lang="it-IT"/>
           </a:p>
@@ -2670,7 +2680,7 @@
           <a:p>
             <a:fld id="{9095D452-AC6C-4F76-AAC2-D7F0BCF6D03B}" type="datetimeFigureOut">
               <a:rPr lang="it-IT" smtClean="0"/>
-              <a:t>04/08/2021</a:t>
+              <a:t>12/08/2021</a:t>
             </a:fld>
             <a:endParaRPr lang="it-IT"/>
           </a:p>
@@ -2911,7 +2921,7 @@
           <a:p>
             <a:fld id="{9095D452-AC6C-4F76-AAC2-D7F0BCF6D03B}" type="datetimeFigureOut">
               <a:rPr lang="it-IT" smtClean="0"/>
-              <a:t>04/08/2021</a:t>
+              <a:t>12/08/2021</a:t>
             </a:fld>
             <a:endParaRPr lang="it-IT"/>
           </a:p>
@@ -3374,12 +3384,23 @@
         </p:nvSpPr>
         <p:spPr/>
         <p:txBody>
-          <a:bodyPr/>
+          <a:bodyPr>
+            <a:normAutofit/>
+          </a:bodyPr>
           <a:lstStyle/>
           <a:p>
             <a:r>
               <a:rPr lang="it-IT" dirty="0"/>
-              <a:t>Progetto 3: Catalogazione di immagini</a:t>
+              <a:t>Docente: Prof. Piero Fraternali</a:t>
+            </a:r>
+          </a:p>
+          <a:p>
+            <a:endParaRPr lang="it-IT" dirty="0"/>
+          </a:p>
+          <a:p>
+            <a:r>
+              <a:rPr lang="it-IT" dirty="0"/>
+              <a:t>Studenti: Linda Zhu, Zheng Maria Yu</a:t>
             </a:r>
           </a:p>
         </p:txBody>
@@ -3388,6 +3409,392 @@
     <p:extLst>
       <p:ext uri="{BB962C8B-B14F-4D97-AF65-F5344CB8AC3E}">
         <p14:creationId xmlns:p14="http://schemas.microsoft.com/office/powerpoint/2010/main" val="2361489072"/>
+      </p:ext>
+    </p:extLst>
+  </p:cSld>
+  <p:clrMapOvr>
+    <a:masterClrMapping/>
+  </p:clrMapOvr>
+</p:sld>
+</file>
+
+<file path=ppt/slides/slide10.xml><?xml version="1.0" encoding="utf-8"?>
+<p:sld xmlns:a="http://schemas.openxmlformats.org/drawingml/2006/main" xmlns:r="http://schemas.openxmlformats.org/officeDocument/2006/relationships" xmlns:p="http://schemas.openxmlformats.org/presentationml/2006/main">
+  <p:cSld>
+    <p:spTree>
+      <p:nvGrpSpPr>
+        <p:cNvPr id="1" name=""/>
+        <p:cNvGrpSpPr/>
+        <p:nvPr/>
+      </p:nvGrpSpPr>
+      <p:grpSpPr>
+        <a:xfrm>
+          <a:off x="0" y="0"/>
+          <a:ext cx="0" cy="0"/>
+          <a:chOff x="0" y="0"/>
+          <a:chExt cx="0" cy="0"/>
+        </a:xfrm>
+      </p:grpSpPr>
+      <p:sp>
+        <p:nvSpPr>
+          <p:cNvPr id="2" name="Titolo 1">
+            <a:extLst>
+              <a:ext uri="{FF2B5EF4-FFF2-40B4-BE49-F238E27FC236}">
+                <a16:creationId xmlns:a16="http://schemas.microsoft.com/office/drawing/2014/main" id="{1B3176B3-2BF8-42BD-BBE1-5ED359B21BD0}"/>
+              </a:ext>
+            </a:extLst>
+          </p:cNvPr>
+          <p:cNvSpPr>
+            <a:spLocks noGrp="1"/>
+          </p:cNvSpPr>
+          <p:nvPr>
+            <p:ph type="title"/>
+          </p:nvPr>
+        </p:nvSpPr>
+        <p:spPr/>
+        <p:txBody>
+          <a:bodyPr/>
+          <a:lstStyle/>
+          <a:p>
+            <a:endParaRPr lang="it-IT"/>
+          </a:p>
+        </p:txBody>
+      </p:sp>
+      <p:sp>
+        <p:nvSpPr>
+          <p:cNvPr id="3" name="Segnaposto contenuto 2">
+            <a:extLst>
+              <a:ext uri="{FF2B5EF4-FFF2-40B4-BE49-F238E27FC236}">
+                <a16:creationId xmlns:a16="http://schemas.microsoft.com/office/drawing/2014/main" id="{F1848E88-5E3F-4A30-890E-9DAB5285AFBA}"/>
+              </a:ext>
+            </a:extLst>
+          </p:cNvPr>
+          <p:cNvSpPr>
+            <a:spLocks noGrp="1"/>
+          </p:cNvSpPr>
+          <p:nvPr>
+            <p:ph idx="1"/>
+          </p:nvPr>
+        </p:nvSpPr>
+        <p:spPr/>
+        <p:txBody>
+          <a:bodyPr/>
+          <a:lstStyle/>
+          <a:p>
+            <a:endParaRPr lang="it-IT"/>
+          </a:p>
+        </p:txBody>
+      </p:sp>
+    </p:spTree>
+    <p:extLst>
+      <p:ext uri="{BB962C8B-B14F-4D97-AF65-F5344CB8AC3E}">
+        <p14:creationId xmlns:p14="http://schemas.microsoft.com/office/powerpoint/2010/main" val="2392166204"/>
+      </p:ext>
+    </p:extLst>
+  </p:cSld>
+  <p:clrMapOvr>
+    <a:masterClrMapping/>
+  </p:clrMapOvr>
+</p:sld>
+</file>
+
+<file path=ppt/slides/slide11.xml><?xml version="1.0" encoding="utf-8"?>
+<p:sld xmlns:a="http://schemas.openxmlformats.org/drawingml/2006/main" xmlns:r="http://schemas.openxmlformats.org/officeDocument/2006/relationships" xmlns:p="http://schemas.openxmlformats.org/presentationml/2006/main">
+  <p:cSld>
+    <p:spTree>
+      <p:nvGrpSpPr>
+        <p:cNvPr id="1" name=""/>
+        <p:cNvGrpSpPr/>
+        <p:nvPr/>
+      </p:nvGrpSpPr>
+      <p:grpSpPr>
+        <a:xfrm>
+          <a:off x="0" y="0"/>
+          <a:ext cx="0" cy="0"/>
+          <a:chOff x="0" y="0"/>
+          <a:chExt cx="0" cy="0"/>
+        </a:xfrm>
+      </p:grpSpPr>
+      <p:sp>
+        <p:nvSpPr>
+          <p:cNvPr id="2" name="Titolo 1">
+            <a:extLst>
+              <a:ext uri="{FF2B5EF4-FFF2-40B4-BE49-F238E27FC236}">
+                <a16:creationId xmlns:a16="http://schemas.microsoft.com/office/drawing/2014/main" id="{36F20C24-C8EC-4969-99B8-B17B8E39B4A2}"/>
+              </a:ext>
+            </a:extLst>
+          </p:cNvPr>
+          <p:cNvSpPr>
+            <a:spLocks noGrp="1"/>
+          </p:cNvSpPr>
+          <p:nvPr>
+            <p:ph type="title"/>
+          </p:nvPr>
+        </p:nvSpPr>
+        <p:spPr/>
+        <p:txBody>
+          <a:bodyPr/>
+          <a:lstStyle/>
+          <a:p>
+            <a:r>
+              <a:rPr lang="it-IT" dirty="0"/>
+              <a:t>Versione con </a:t>
+            </a:r>
+            <a:r>
+              <a:rPr lang="it-IT" dirty="0" err="1"/>
+              <a:t>Javascript</a:t>
+            </a:r>
+            <a:endParaRPr lang="it-IT" dirty="0"/>
+          </a:p>
+        </p:txBody>
+      </p:sp>
+      <p:sp>
+        <p:nvSpPr>
+          <p:cNvPr id="3" name="Segnaposto contenuto 2">
+            <a:extLst>
+              <a:ext uri="{FF2B5EF4-FFF2-40B4-BE49-F238E27FC236}">
+                <a16:creationId xmlns:a16="http://schemas.microsoft.com/office/drawing/2014/main" id="{C7010E9C-DD2C-4451-8DF7-9D8250D61CE7}"/>
+              </a:ext>
+            </a:extLst>
+          </p:cNvPr>
+          <p:cNvSpPr>
+            <a:spLocks noGrp="1"/>
+          </p:cNvSpPr>
+          <p:nvPr>
+            <p:ph idx="1"/>
+          </p:nvPr>
+        </p:nvSpPr>
+        <p:spPr>
+          <a:xfrm>
+            <a:off x="838200" y="1459832"/>
+            <a:ext cx="10515600" cy="4717131"/>
+          </a:xfrm>
+        </p:spPr>
+        <p:txBody>
+          <a:bodyPr>
+            <a:normAutofit fontScale="85000" lnSpcReduction="20000"/>
+          </a:bodyPr>
+          <a:lstStyle/>
+          <a:p>
+            <a:pPr marL="0" indent="0">
+              <a:buNone/>
+            </a:pPr>
+            <a:r>
+              <a:rPr lang="it-IT" dirty="0"/>
+              <a:t>Si realizzi un’applicazione client server web che estende e/o modifica le specifiche precedenti come segue:</a:t>
+            </a:r>
+          </a:p>
+          <a:p>
+            <a:pPr marL="0" indent="0">
+              <a:buNone/>
+            </a:pPr>
+            <a:r>
+              <a:rPr lang="it-IT" dirty="0"/>
+              <a:t>● Dopo il login dell’utente, l’intera applicazione è realizzata con un’unica pagina.</a:t>
+            </a:r>
+          </a:p>
+          <a:p>
+            <a:pPr marL="0" indent="0">
+              <a:buNone/>
+            </a:pPr>
+            <a:r>
+              <a:rPr lang="it-IT" dirty="0"/>
+              <a:t>● Ogni interazione dell’utente è gestita senza ricaricare completamente la pagina, ma produce l’invocazione asincrona del server e l’eventuale modifica del contenuto da aggiornare a seguito dell’evento. </a:t>
+            </a:r>
+          </a:p>
+          <a:p>
+            <a:pPr marL="0" indent="0">
+              <a:buNone/>
+            </a:pPr>
+            <a:r>
+              <a:rPr lang="it-IT" dirty="0"/>
+              <a:t>● La funzione di spostamento di una categoria è realizzata mediante drag &amp; drop.</a:t>
+            </a:r>
+          </a:p>
+          <a:p>
+            <a:pPr marL="0" indent="0">
+              <a:buNone/>
+            </a:pPr>
+            <a:r>
+              <a:rPr lang="it-IT" dirty="0"/>
+              <a:t>● A seguito del drop della categoria da spostare compare una finestra di dialogo con cui l’utente può confermare o cancellare lo spostamento. La conferma produce l’aggiornamento a lato client dell’albero.</a:t>
+            </a:r>
+          </a:p>
+          <a:p>
+            <a:pPr marL="0" indent="0">
+              <a:buNone/>
+            </a:pPr>
+            <a:r>
+              <a:rPr lang="it-IT" dirty="0"/>
+              <a:t>● L’utente realizza spostamenti anche multipli a lato client. A seguito del primo spostamento compare un bottone SALVA la cui pressione provoca l’invio al server dell’elenco degli spostamenti realizzati (NON dell’intero albero). L’invio degli spostamenti produce l’aggiornamento dell’albero nella base dei dati e la comparsa di un messaggio di conferma dell’avvenuto salvataggio.</a:t>
+            </a:r>
+          </a:p>
+        </p:txBody>
+      </p:sp>
+    </p:spTree>
+    <p:extLst>
+      <p:ext uri="{BB962C8B-B14F-4D97-AF65-F5344CB8AC3E}">
+        <p14:creationId xmlns:p14="http://schemas.microsoft.com/office/powerpoint/2010/main" val="2607107032"/>
+      </p:ext>
+    </p:extLst>
+  </p:cSld>
+  <p:clrMapOvr>
+    <a:masterClrMapping/>
+  </p:clrMapOvr>
+</p:sld>
+</file>
+
+<file path=ppt/slides/slide12.xml><?xml version="1.0" encoding="utf-8"?>
+<p:sld xmlns:a="http://schemas.openxmlformats.org/drawingml/2006/main" xmlns:r="http://schemas.openxmlformats.org/officeDocument/2006/relationships" xmlns:p="http://schemas.openxmlformats.org/presentationml/2006/main">
+  <p:cSld>
+    <p:spTree>
+      <p:nvGrpSpPr>
+        <p:cNvPr id="1" name=""/>
+        <p:cNvGrpSpPr/>
+        <p:nvPr/>
+      </p:nvGrpSpPr>
+      <p:grpSpPr>
+        <a:xfrm>
+          <a:off x="0" y="0"/>
+          <a:ext cx="0" cy="0"/>
+          <a:chOff x="0" y="0"/>
+          <a:chExt cx="0" cy="0"/>
+        </a:xfrm>
+      </p:grpSpPr>
+      <p:sp>
+        <p:nvSpPr>
+          <p:cNvPr id="2" name="Titolo 1">
+            <a:extLst>
+              <a:ext uri="{FF2B5EF4-FFF2-40B4-BE49-F238E27FC236}">
+                <a16:creationId xmlns:a16="http://schemas.microsoft.com/office/drawing/2014/main" id="{84AB7EC6-8512-4755-BD12-B69C9251B9BB}"/>
+              </a:ext>
+            </a:extLst>
+          </p:cNvPr>
+          <p:cNvSpPr>
+            <a:spLocks noGrp="1"/>
+          </p:cNvSpPr>
+          <p:nvPr>
+            <p:ph type="title"/>
+          </p:nvPr>
+        </p:nvSpPr>
+        <p:spPr/>
+        <p:txBody>
+          <a:bodyPr/>
+          <a:lstStyle/>
+          <a:p>
+            <a:endParaRPr lang="it-IT"/>
+          </a:p>
+        </p:txBody>
+      </p:sp>
+      <p:sp>
+        <p:nvSpPr>
+          <p:cNvPr id="3" name="Segnaposto contenuto 2">
+            <a:extLst>
+              <a:ext uri="{FF2B5EF4-FFF2-40B4-BE49-F238E27FC236}">
+                <a16:creationId xmlns:a16="http://schemas.microsoft.com/office/drawing/2014/main" id="{79E8CE37-BB63-4734-AE97-D16F6A281AE6}"/>
+              </a:ext>
+            </a:extLst>
+          </p:cNvPr>
+          <p:cNvSpPr>
+            <a:spLocks noGrp="1"/>
+          </p:cNvSpPr>
+          <p:nvPr>
+            <p:ph idx="1"/>
+          </p:nvPr>
+        </p:nvSpPr>
+        <p:spPr/>
+        <p:txBody>
+          <a:bodyPr/>
+          <a:lstStyle/>
+          <a:p>
+            <a:endParaRPr lang="it-IT"/>
+          </a:p>
+        </p:txBody>
+      </p:sp>
+    </p:spTree>
+    <p:extLst>
+      <p:ext uri="{BB962C8B-B14F-4D97-AF65-F5344CB8AC3E}">
+        <p14:creationId xmlns:p14="http://schemas.microsoft.com/office/powerpoint/2010/main" val="2308975443"/>
+      </p:ext>
+    </p:extLst>
+  </p:cSld>
+  <p:clrMapOvr>
+    <a:masterClrMapping/>
+  </p:clrMapOvr>
+</p:sld>
+</file>
+
+<file path=ppt/slides/slide13.xml><?xml version="1.0" encoding="utf-8"?>
+<p:sld xmlns:a="http://schemas.openxmlformats.org/drawingml/2006/main" xmlns:r="http://schemas.openxmlformats.org/officeDocument/2006/relationships" xmlns:p="http://schemas.openxmlformats.org/presentationml/2006/main">
+  <p:cSld>
+    <p:spTree>
+      <p:nvGrpSpPr>
+        <p:cNvPr id="1" name=""/>
+        <p:cNvGrpSpPr/>
+        <p:nvPr/>
+      </p:nvGrpSpPr>
+      <p:grpSpPr>
+        <a:xfrm>
+          <a:off x="0" y="0"/>
+          <a:ext cx="0" cy="0"/>
+          <a:chOff x="0" y="0"/>
+          <a:chExt cx="0" cy="0"/>
+        </a:xfrm>
+      </p:grpSpPr>
+      <p:sp>
+        <p:nvSpPr>
+          <p:cNvPr id="2" name="Titolo 1">
+            <a:extLst>
+              <a:ext uri="{FF2B5EF4-FFF2-40B4-BE49-F238E27FC236}">
+                <a16:creationId xmlns:a16="http://schemas.microsoft.com/office/drawing/2014/main" id="{C0DC9AAD-221C-4FF5-8090-A0FD8751D6F6}"/>
+              </a:ext>
+            </a:extLst>
+          </p:cNvPr>
+          <p:cNvSpPr>
+            <a:spLocks noGrp="1"/>
+          </p:cNvSpPr>
+          <p:nvPr>
+            <p:ph type="title"/>
+          </p:nvPr>
+        </p:nvSpPr>
+        <p:spPr/>
+        <p:txBody>
+          <a:bodyPr/>
+          <a:lstStyle/>
+          <a:p>
+            <a:endParaRPr lang="it-IT"/>
+          </a:p>
+        </p:txBody>
+      </p:sp>
+      <p:sp>
+        <p:nvSpPr>
+          <p:cNvPr id="3" name="Segnaposto contenuto 2">
+            <a:extLst>
+              <a:ext uri="{FF2B5EF4-FFF2-40B4-BE49-F238E27FC236}">
+                <a16:creationId xmlns:a16="http://schemas.microsoft.com/office/drawing/2014/main" id="{9291570E-BB23-444E-9B5B-C05F528E59CD}"/>
+              </a:ext>
+            </a:extLst>
+          </p:cNvPr>
+          <p:cNvSpPr>
+            <a:spLocks noGrp="1"/>
+          </p:cNvSpPr>
+          <p:nvPr>
+            <p:ph idx="1"/>
+          </p:nvPr>
+        </p:nvSpPr>
+        <p:spPr/>
+        <p:txBody>
+          <a:bodyPr/>
+          <a:lstStyle/>
+          <a:p>
+            <a:endParaRPr lang="it-IT"/>
+          </a:p>
+        </p:txBody>
+      </p:sp>
+    </p:spTree>
+    <p:extLst>
+      <p:ext uri="{BB962C8B-B14F-4D97-AF65-F5344CB8AC3E}">
+        <p14:creationId xmlns:p14="http://schemas.microsoft.com/office/powerpoint/2010/main" val="2875152271"/>
       </p:ext>
     </p:extLst>
   </p:cSld>
@@ -3442,7 +3849,7 @@
           <a:p>
             <a:r>
               <a:rPr lang="it-IT" dirty="0"/>
-              <a:t>Specifiche</a:t>
+              <a:t>Progetto 3: Catalogazione di immagini</a:t>
             </a:r>
           </a:p>
         </p:txBody>
@@ -3465,21 +3872,72 @@
         </p:nvSpPr>
         <p:spPr>
           <a:xfrm>
-            <a:off x="838200" y="1424572"/>
-            <a:ext cx="10515600" cy="4351338"/>
+            <a:off x="838200" y="1235241"/>
+            <a:ext cx="10515600" cy="5213685"/>
           </a:xfrm>
         </p:spPr>
         <p:txBody>
-          <a:bodyPr/>
+          <a:bodyPr>
+            <a:normAutofit/>
+          </a:bodyPr>
           <a:lstStyle/>
           <a:p>
             <a:pPr marL="0" indent="0">
               <a:buNone/>
             </a:pPr>
             <a:r>
-              <a:rPr lang="it-IT" dirty="0"/>
-              <a:t>Un’applicazione permette all’utente (ad esempio il curatore di un catalogo online di immagini) di gestire una tassonomia di classificazione utile per etichettare immagini allo scopo di consentire la ricerca in base alla categoria. Dopo il login, l’utente accede a una pagina HOME in cui compare un albero gerarchico di categorie. Le categorie non dipendono dall’utente e sono in comune tra tutti gli utenti.</a:t>
-            </a:r>
+              <a:rPr lang="it-IT" sz="2000" dirty="0"/>
+              <a:t>Un’applicazione permette all’utente di gestire una tassonomia di classificazione utile per etichettare immagini allo scopo di consentire la ricerca in base alla categoria. Dopo il login, l’utente accede a una pagina HOME in cui compare un albero gerarchico di categorie. Le categorie non dipendono dall’utente e sono in comune tra tutti gli utenti. Le categorie hanno nomi distinti.</a:t>
+            </a:r>
+          </a:p>
+          <a:p>
+            <a:pPr marL="0" indent="0">
+              <a:buNone/>
+            </a:pPr>
+            <a:r>
+              <a:rPr lang="it-IT" sz="2000" dirty="0"/>
+              <a:t>L’utente può inserire una nuova categoria nell’albero. Per fare ciò usa una </a:t>
+            </a:r>
+            <a:r>
+              <a:rPr lang="it-IT" sz="2000" dirty="0" err="1"/>
+              <a:t>form</a:t>
+            </a:r>
+            <a:r>
+              <a:rPr lang="it-IT" sz="2000" dirty="0"/>
+              <a:t> nella pagina HOME in cui specifica il nome della nuova categoria e sceglie la categoria padre. L’invio della nuova categoria comporta l’aggiornamento dell’albero: la nuova categoria è appesa alla categoria padre come ultimo </a:t>
+            </a:r>
+            <a:r>
+              <a:rPr lang="it-IT" sz="2000" dirty="0" err="1"/>
+              <a:t>sottoelemento</a:t>
+            </a:r>
+            <a:r>
+              <a:rPr lang="it-IT" sz="2000" dirty="0"/>
+              <a:t>. Alla nuova categoria viene assegnato un codice numerico che ne riflette la posizione. Per ogni categoria il numero massimo di sottocategorie è 9.</a:t>
+            </a:r>
+          </a:p>
+          <a:p>
+            <a:pPr marL="0" indent="0">
+              <a:buNone/>
+            </a:pPr>
+            <a:r>
+              <a:rPr lang="it-IT" sz="2000" dirty="0"/>
+              <a:t>Dopo la creazione di una categoria, la pagina HOME mostra l’albero aggiornato. L’utente può spostare di posizione una categoria: per fare ciò clicca sul link “sposta” associato alla categoria da spostare. A seguito di tale azione l’applicazione mostra, sempre nella HOME page, l’albero con evidenziato il sotto albero attestato sulla categoria da spostare: tutte le altre categorie hanno un link “sposta qui”. La selezione di un link “sposta qui” comporta l’inserimento della categoria da spostare come ultimo figlio della categoria destinazione.</a:t>
+            </a:r>
+          </a:p>
+          <a:p>
+            <a:pPr marL="0" indent="0">
+              <a:buNone/>
+            </a:pPr>
+            <a:r>
+              <a:rPr lang="it-IT" sz="2000" dirty="0"/>
+              <a:t>Le modifiche effettuate da un utente e salvate nella base di dati diventano visibili agli altri utenti. Lo spostamento potrebbe creare un vuoto nella numerazione delle categorie figlie dello stesso padre.</a:t>
+            </a:r>
+          </a:p>
+          <a:p>
+            <a:pPr marL="0" indent="0">
+              <a:buNone/>
+            </a:pPr>
+            <a:endParaRPr lang="it-IT" sz="2000" dirty="0"/>
           </a:p>
         </p:txBody>
       </p:sp>
@@ -3515,10 +3973,10 @@
       </p:grpSpPr>
       <p:sp>
         <p:nvSpPr>
-          <p:cNvPr id="2" name="Titolo 1">
-            <a:extLst>
-              <a:ext uri="{FF2B5EF4-FFF2-40B4-BE49-F238E27FC236}">
-                <a16:creationId xmlns:a16="http://schemas.microsoft.com/office/drawing/2014/main" id="{195F89CF-96DD-44CA-BDC4-8616B10270B4}"/>
+          <p:cNvPr id="4" name="Titolo 3">
+            <a:extLst>
+              <a:ext uri="{FF2B5EF4-FFF2-40B4-BE49-F238E27FC236}">
+                <a16:creationId xmlns:a16="http://schemas.microsoft.com/office/drawing/2014/main" id="{85E9091D-F543-4CDC-A17B-B04B87A77565}"/>
               </a:ext>
             </a:extLst>
           </p:cNvPr>
@@ -3529,21 +3987,29 @@
             <p:ph type="title"/>
           </p:nvPr>
         </p:nvSpPr>
-        <p:spPr/>
-        <p:txBody>
-          <a:bodyPr/>
-          <a:lstStyle/>
-          <a:p>
-            <a:endParaRPr lang="it-IT" dirty="0"/>
-          </a:p>
-        </p:txBody>
-      </p:sp>
-      <p:sp>
-        <p:nvSpPr>
-          <p:cNvPr id="3" name="Segnaposto contenuto 2">
-            <a:extLst>
-              <a:ext uri="{FF2B5EF4-FFF2-40B4-BE49-F238E27FC236}">
-                <a16:creationId xmlns:a16="http://schemas.microsoft.com/office/drawing/2014/main" id="{13B89E3C-BEE5-4623-BBA0-F2384E480D9C}"/>
+        <p:spPr>
+          <a:xfrm>
+            <a:off x="838200" y="-16769"/>
+            <a:ext cx="10515600" cy="1325563"/>
+          </a:xfrm>
+        </p:spPr>
+        <p:txBody>
+          <a:bodyPr/>
+          <a:lstStyle/>
+          <a:p>
+            <a:r>
+              <a:rPr lang="it-IT" dirty="0"/>
+              <a:t>Analisi dei dati</a:t>
+            </a:r>
+          </a:p>
+        </p:txBody>
+      </p:sp>
+      <p:sp>
+        <p:nvSpPr>
+          <p:cNvPr id="5" name="Segnaposto contenuto 4">
+            <a:extLst>
+              <a:ext uri="{FF2B5EF4-FFF2-40B4-BE49-F238E27FC236}">
+                <a16:creationId xmlns:a16="http://schemas.microsoft.com/office/drawing/2014/main" id="{9A62D560-AFED-473C-80C1-8F270C53A78E}"/>
               </a:ext>
             </a:extLst>
           </p:cNvPr>
@@ -3554,19 +4020,1302 @@
             <p:ph idx="1"/>
           </p:nvPr>
         </p:nvSpPr>
-        <p:spPr/>
-        <p:txBody>
-          <a:bodyPr/>
-          <a:lstStyle/>
-          <a:p>
-            <a:endParaRPr lang="it-IT" dirty="0"/>
+        <p:spPr>
+          <a:xfrm>
+            <a:off x="838200" y="1090862"/>
+            <a:ext cx="10515600" cy="5213685"/>
+          </a:xfrm>
+        </p:spPr>
+        <p:txBody>
+          <a:bodyPr>
+            <a:normAutofit/>
+          </a:bodyPr>
+          <a:lstStyle/>
+          <a:p>
+            <a:pPr marL="0" indent="0">
+              <a:buNone/>
+            </a:pPr>
+            <a:r>
+              <a:rPr lang="it-IT" sz="2000" dirty="0"/>
+              <a:t>Un’applicazione permette all’utente di gestire una tassonomia di classificazione utile per etichettare </a:t>
+            </a:r>
+            <a:r>
+              <a:rPr lang="it-IT" sz="2000" dirty="0">
+                <a:solidFill>
+                  <a:srgbClr val="FF0000"/>
+                </a:solidFill>
+              </a:rPr>
+              <a:t>immagini</a:t>
+            </a:r>
+            <a:r>
+              <a:rPr lang="it-IT" sz="2000" dirty="0"/>
+              <a:t> allo scopo di consentire la ricerca in base alla </a:t>
+            </a:r>
+            <a:r>
+              <a:rPr lang="it-IT" sz="2000" dirty="0">
+                <a:solidFill>
+                  <a:srgbClr val="FF0000"/>
+                </a:solidFill>
+              </a:rPr>
+              <a:t>categoria</a:t>
+            </a:r>
+            <a:r>
+              <a:rPr lang="it-IT" sz="2000" dirty="0"/>
+              <a:t>. Dopo il login, l’</a:t>
+            </a:r>
+            <a:r>
+              <a:rPr lang="it-IT" sz="2000" dirty="0">
+                <a:solidFill>
+                  <a:srgbClr val="FF0000"/>
+                </a:solidFill>
+              </a:rPr>
+              <a:t>utente</a:t>
+            </a:r>
+            <a:r>
+              <a:rPr lang="it-IT" sz="2000" dirty="0"/>
+              <a:t> accede a una pagina HOME in cui compare un albero gerarchico di categorie. Le categorie non dipendono dall’utente e sono in comune tra tutti gli utenti. Le categorie hanno </a:t>
+            </a:r>
+            <a:r>
+              <a:rPr lang="it-IT" sz="2000" dirty="0">
+                <a:solidFill>
+                  <a:srgbClr val="00B050"/>
+                </a:solidFill>
+              </a:rPr>
+              <a:t>nomi</a:t>
+            </a:r>
+            <a:r>
+              <a:rPr lang="it-IT" sz="2000" dirty="0"/>
+              <a:t> distinti.</a:t>
+            </a:r>
+          </a:p>
+          <a:p>
+            <a:pPr marL="0" indent="0">
+              <a:buNone/>
+            </a:pPr>
+            <a:r>
+              <a:rPr lang="it-IT" sz="2000" dirty="0"/>
+              <a:t>L’utente può inserire una nuova categoria nell’albero. Per fare ciò usa una </a:t>
+            </a:r>
+            <a:r>
+              <a:rPr lang="it-IT" sz="2000" dirty="0" err="1"/>
+              <a:t>form</a:t>
+            </a:r>
+            <a:r>
+              <a:rPr lang="it-IT" sz="2000" dirty="0"/>
+              <a:t> nella pagina HOME in cui specifica il nome della nuova categoria e sceglie la </a:t>
+            </a:r>
+            <a:r>
+              <a:rPr lang="it-IT" sz="2000" dirty="0">
+                <a:solidFill>
+                  <a:srgbClr val="00B050"/>
+                </a:solidFill>
+              </a:rPr>
+              <a:t>categoria padre</a:t>
+            </a:r>
+            <a:r>
+              <a:rPr lang="it-IT" sz="2000" dirty="0"/>
+              <a:t>. L’invio della nuova categoria comporta l’aggiornamento dell’albero: la nuova categoria è </a:t>
+            </a:r>
+            <a:r>
+              <a:rPr lang="it-IT" sz="2000" dirty="0">
+                <a:solidFill>
+                  <a:srgbClr val="0070C0"/>
+                </a:solidFill>
+              </a:rPr>
+              <a:t>appesa alla categoria padre come ultimo </a:t>
+            </a:r>
+            <a:r>
+              <a:rPr lang="it-IT" sz="2000" dirty="0" err="1">
+                <a:solidFill>
+                  <a:srgbClr val="0070C0"/>
+                </a:solidFill>
+              </a:rPr>
+              <a:t>sottoelemento</a:t>
+            </a:r>
+            <a:r>
+              <a:rPr lang="it-IT" sz="2000" dirty="0"/>
+              <a:t>. Alla nuova categoria viene assegnato un </a:t>
+            </a:r>
+            <a:r>
+              <a:rPr lang="it-IT" sz="2000" dirty="0">
+                <a:solidFill>
+                  <a:srgbClr val="00B050"/>
+                </a:solidFill>
+              </a:rPr>
+              <a:t>codice numerico </a:t>
+            </a:r>
+            <a:r>
+              <a:rPr lang="it-IT" sz="2000" dirty="0"/>
+              <a:t>che ne riflette la posizione. Per ogni categoria il numero massimo di sottocategorie è 9.</a:t>
+            </a:r>
+          </a:p>
+          <a:p>
+            <a:pPr marL="0" indent="0">
+              <a:buNone/>
+            </a:pPr>
+            <a:r>
+              <a:rPr lang="it-IT" sz="2000" dirty="0"/>
+              <a:t>Dopo la creazione di una categoria, la pagina HOME mostra l’albero aggiornato. L’utente può spostare di posizione una categoria: per fare ciò clicca sul link “sposta” associato alla categoria da spostare. A seguito di tale azione l’applicazione mostra, sempre nella HOME page, l’albero con evidenziato il sotto albero attestato sulla categoria da spostare: tutte le altre categorie hanno un link “sposta qui”. La selezione di un link “sposta qui” comporta l’inserimento della categoria da spostare come ultimo figlio della categoria destinazione.</a:t>
+            </a:r>
+          </a:p>
+          <a:p>
+            <a:pPr marL="0" indent="0">
+              <a:buNone/>
+            </a:pPr>
+            <a:r>
+              <a:rPr lang="it-IT" sz="2000" dirty="0"/>
+              <a:t>Le modifiche effettuate da un utente e salvate nella base di dati diventano visibili agli altri utenti. Lo spostamento potrebbe creare un vuoto nella numerazione delle categorie figlie dello stesso padre.</a:t>
+            </a:r>
+          </a:p>
+          <a:p>
+            <a:pPr marL="0" indent="0">
+              <a:buNone/>
+            </a:pPr>
+            <a:endParaRPr lang="it-IT" sz="2000" dirty="0"/>
+          </a:p>
+        </p:txBody>
+      </p:sp>
+      <p:sp>
+        <p:nvSpPr>
+          <p:cNvPr id="2" name="CasellaDiTesto 1">
+            <a:extLst>
+              <a:ext uri="{FF2B5EF4-FFF2-40B4-BE49-F238E27FC236}">
+                <a16:creationId xmlns:a16="http://schemas.microsoft.com/office/drawing/2014/main" id="{96B10EFC-4989-4772-8382-6D7A253E87E1}"/>
+              </a:ext>
+            </a:extLst>
+          </p:cNvPr>
+          <p:cNvSpPr txBox="1"/>
+          <p:nvPr/>
+        </p:nvSpPr>
+        <p:spPr>
+          <a:xfrm>
+            <a:off x="838200" y="6448926"/>
+            <a:ext cx="2695610" cy="369332"/>
+          </a:xfrm>
+          <a:prstGeom prst="rect">
+            <a:avLst/>
+          </a:prstGeom>
+          <a:noFill/>
+        </p:spPr>
+        <p:txBody>
+          <a:bodyPr wrap="none" rtlCol="0">
+            <a:spAutoFit/>
+          </a:bodyPr>
+          <a:lstStyle/>
+          <a:p>
+            <a:r>
+              <a:rPr lang="it-IT" dirty="0"/>
+              <a:t>(</a:t>
+            </a:r>
+            <a:r>
+              <a:rPr lang="it-IT" b="1" dirty="0">
+                <a:solidFill>
+                  <a:srgbClr val="FF0000"/>
+                </a:solidFill>
+              </a:rPr>
+              <a:t>Entità</a:t>
+            </a:r>
+            <a:r>
+              <a:rPr lang="it-IT" dirty="0"/>
+              <a:t>, </a:t>
+            </a:r>
+            <a:r>
+              <a:rPr lang="it-IT" b="1" dirty="0">
+                <a:solidFill>
+                  <a:srgbClr val="00B050"/>
+                </a:solidFill>
+              </a:rPr>
+              <a:t>attributi</a:t>
+            </a:r>
+            <a:r>
+              <a:rPr lang="it-IT" dirty="0"/>
+              <a:t>, </a:t>
+            </a:r>
+            <a:r>
+              <a:rPr lang="it-IT" b="1" dirty="0">
+                <a:solidFill>
+                  <a:srgbClr val="0070C0"/>
+                </a:solidFill>
+              </a:rPr>
+              <a:t>relazioni</a:t>
+            </a:r>
+            <a:r>
+              <a:rPr lang="it-IT" dirty="0"/>
+              <a:t>)</a:t>
+            </a:r>
           </a:p>
         </p:txBody>
       </p:sp>
     </p:spTree>
     <p:extLst>
       <p:ext uri="{BB962C8B-B14F-4D97-AF65-F5344CB8AC3E}">
-        <p14:creationId xmlns:p14="http://schemas.microsoft.com/office/powerpoint/2010/main" val="622178502"/>
+        <p14:creationId xmlns:p14="http://schemas.microsoft.com/office/powerpoint/2010/main" val="1950333259"/>
+      </p:ext>
+    </p:extLst>
+  </p:cSld>
+  <p:clrMapOvr>
+    <a:masterClrMapping/>
+  </p:clrMapOvr>
+</p:sld>
+</file>
+
+<file path=ppt/slides/slide4.xml><?xml version="1.0" encoding="utf-8"?>
+<p:sld xmlns:a="http://schemas.openxmlformats.org/drawingml/2006/main" xmlns:r="http://schemas.openxmlformats.org/officeDocument/2006/relationships" xmlns:p="http://schemas.openxmlformats.org/presentationml/2006/main">
+  <p:cSld>
+    <p:spTree>
+      <p:nvGrpSpPr>
+        <p:cNvPr id="1" name=""/>
+        <p:cNvGrpSpPr/>
+        <p:nvPr/>
+      </p:nvGrpSpPr>
+      <p:grpSpPr>
+        <a:xfrm>
+          <a:off x="0" y="0"/>
+          <a:ext cx="0" cy="0"/>
+          <a:chOff x="0" y="0"/>
+          <a:chExt cx="0" cy="0"/>
+        </a:xfrm>
+      </p:grpSpPr>
+      <p:sp>
+        <p:nvSpPr>
+          <p:cNvPr id="2" name="Titolo 1">
+            <a:extLst>
+              <a:ext uri="{FF2B5EF4-FFF2-40B4-BE49-F238E27FC236}">
+                <a16:creationId xmlns:a16="http://schemas.microsoft.com/office/drawing/2014/main" id="{4169018D-842F-4C47-93C7-532921C3C73C}"/>
+              </a:ext>
+            </a:extLst>
+          </p:cNvPr>
+          <p:cNvSpPr>
+            <a:spLocks noGrp="1"/>
+          </p:cNvSpPr>
+          <p:nvPr>
+            <p:ph type="title"/>
+          </p:nvPr>
+        </p:nvSpPr>
+        <p:spPr/>
+        <p:txBody>
+          <a:bodyPr/>
+          <a:lstStyle/>
+          <a:p>
+            <a:r>
+              <a:rPr lang="it-IT" dirty="0"/>
+              <a:t>Progettazione del database</a:t>
+            </a:r>
+          </a:p>
+        </p:txBody>
+      </p:sp>
+      <p:sp>
+        <p:nvSpPr>
+          <p:cNvPr id="3" name="Segnaposto contenuto 2">
+            <a:extLst>
+              <a:ext uri="{FF2B5EF4-FFF2-40B4-BE49-F238E27FC236}">
+                <a16:creationId xmlns:a16="http://schemas.microsoft.com/office/drawing/2014/main" id="{6C9AC135-CF78-412D-A43F-C93D99859C93}"/>
+              </a:ext>
+            </a:extLst>
+          </p:cNvPr>
+          <p:cNvSpPr>
+            <a:spLocks noGrp="1"/>
+          </p:cNvSpPr>
+          <p:nvPr>
+            <p:ph idx="1"/>
+          </p:nvPr>
+        </p:nvSpPr>
+        <p:spPr/>
+        <p:txBody>
+          <a:bodyPr/>
+          <a:lstStyle/>
+          <a:p>
+            <a:endParaRPr lang="it-IT" dirty="0"/>
+          </a:p>
+        </p:txBody>
+      </p:sp>
+    </p:spTree>
+    <p:extLst>
+      <p:ext uri="{BB962C8B-B14F-4D97-AF65-F5344CB8AC3E}">
+        <p14:creationId xmlns:p14="http://schemas.microsoft.com/office/powerpoint/2010/main" val="30604994"/>
+      </p:ext>
+    </p:extLst>
+  </p:cSld>
+  <p:clrMapOvr>
+    <a:masterClrMapping/>
+  </p:clrMapOvr>
+</p:sld>
+</file>
+
+<file path=ppt/slides/slide5.xml><?xml version="1.0" encoding="utf-8"?>
+<p:sld xmlns:a="http://schemas.openxmlformats.org/drawingml/2006/main" xmlns:r="http://schemas.openxmlformats.org/officeDocument/2006/relationships" xmlns:p="http://schemas.openxmlformats.org/presentationml/2006/main">
+  <p:cSld>
+    <p:spTree>
+      <p:nvGrpSpPr>
+        <p:cNvPr id="1" name=""/>
+        <p:cNvGrpSpPr/>
+        <p:nvPr/>
+      </p:nvGrpSpPr>
+      <p:grpSpPr>
+        <a:xfrm>
+          <a:off x="0" y="0"/>
+          <a:ext cx="0" cy="0"/>
+          <a:chOff x="0" y="0"/>
+          <a:chExt cx="0" cy="0"/>
+        </a:xfrm>
+      </p:grpSpPr>
+      <p:sp>
+        <p:nvSpPr>
+          <p:cNvPr id="2" name="Titolo 1">
+            <a:extLst>
+              <a:ext uri="{FF2B5EF4-FFF2-40B4-BE49-F238E27FC236}">
+                <a16:creationId xmlns:a16="http://schemas.microsoft.com/office/drawing/2014/main" id="{67282455-4C19-444E-BFE7-FA39C0103B6F}"/>
+              </a:ext>
+            </a:extLst>
+          </p:cNvPr>
+          <p:cNvSpPr>
+            <a:spLocks noGrp="1"/>
+          </p:cNvSpPr>
+          <p:nvPr>
+            <p:ph type="title"/>
+          </p:nvPr>
+        </p:nvSpPr>
+        <p:spPr/>
+        <p:txBody>
+          <a:bodyPr/>
+          <a:lstStyle/>
+          <a:p>
+            <a:r>
+              <a:rPr lang="it-IT" dirty="0"/>
+              <a:t>Schema database locale</a:t>
+            </a:r>
+          </a:p>
+        </p:txBody>
+      </p:sp>
+      <p:sp>
+        <p:nvSpPr>
+          <p:cNvPr id="3" name="Segnaposto contenuto 2">
+            <a:extLst>
+              <a:ext uri="{FF2B5EF4-FFF2-40B4-BE49-F238E27FC236}">
+                <a16:creationId xmlns:a16="http://schemas.microsoft.com/office/drawing/2014/main" id="{153667B8-3E6F-4D6B-858E-03ECE1963BA6}"/>
+              </a:ext>
+            </a:extLst>
+          </p:cNvPr>
+          <p:cNvSpPr>
+            <a:spLocks noGrp="1"/>
+          </p:cNvSpPr>
+          <p:nvPr>
+            <p:ph idx="1"/>
+          </p:nvPr>
+        </p:nvSpPr>
+        <p:spPr/>
+        <p:txBody>
+          <a:bodyPr>
+            <a:normAutofit lnSpcReduction="10000"/>
+          </a:bodyPr>
+          <a:lstStyle/>
+          <a:p>
+            <a:pPr marL="0" indent="0">
+              <a:buNone/>
+            </a:pPr>
+            <a:r>
+              <a:rPr lang="it-IT" dirty="0"/>
+              <a:t>CREATE TABLE `user` (  </a:t>
+            </a:r>
+          </a:p>
+          <a:p>
+            <a:pPr marL="0" indent="0">
+              <a:buNone/>
+            </a:pPr>
+            <a:r>
+              <a:rPr lang="it-IT" dirty="0"/>
+              <a:t>`</a:t>
+            </a:r>
+            <a:r>
+              <a:rPr lang="it-IT" dirty="0" err="1"/>
+              <a:t>UserId</a:t>
+            </a:r>
+            <a:r>
+              <a:rPr lang="it-IT" dirty="0"/>
+              <a:t>` </a:t>
+            </a:r>
+            <a:r>
+              <a:rPr lang="it-IT" dirty="0" err="1"/>
+              <a:t>int</a:t>
+            </a:r>
+            <a:r>
+              <a:rPr lang="it-IT" dirty="0"/>
+              <a:t> NOT NULL AUTO_INCREMENT,  </a:t>
+            </a:r>
+          </a:p>
+          <a:p>
+            <a:pPr marL="0" indent="0">
+              <a:buNone/>
+            </a:pPr>
+            <a:r>
+              <a:rPr lang="it-IT" dirty="0"/>
+              <a:t>`Username` </a:t>
+            </a:r>
+            <a:r>
+              <a:rPr lang="it-IT" dirty="0" err="1"/>
+              <a:t>varchar</a:t>
+            </a:r>
+            <a:r>
+              <a:rPr lang="it-IT" dirty="0"/>
+              <a:t>(45) NOT NULL,  </a:t>
+            </a:r>
+          </a:p>
+          <a:p>
+            <a:pPr marL="0" indent="0">
+              <a:buNone/>
+            </a:pPr>
+            <a:r>
+              <a:rPr lang="it-IT" dirty="0"/>
+              <a:t>`Password` </a:t>
+            </a:r>
+            <a:r>
+              <a:rPr lang="it-IT" dirty="0" err="1"/>
+              <a:t>varchar</a:t>
+            </a:r>
+            <a:r>
+              <a:rPr lang="it-IT" dirty="0"/>
+              <a:t>(45) NOT NULL,  </a:t>
+            </a:r>
+          </a:p>
+          <a:p>
+            <a:pPr marL="0" indent="0">
+              <a:buNone/>
+            </a:pPr>
+            <a:r>
+              <a:rPr lang="it-IT" dirty="0"/>
+              <a:t>`Name` </a:t>
+            </a:r>
+            <a:r>
+              <a:rPr lang="it-IT" dirty="0" err="1"/>
+              <a:t>varchar</a:t>
+            </a:r>
+            <a:r>
+              <a:rPr lang="it-IT" dirty="0"/>
+              <a:t>(45) NOT NULL,  </a:t>
+            </a:r>
+          </a:p>
+          <a:p>
+            <a:pPr marL="0" indent="0">
+              <a:buNone/>
+            </a:pPr>
+            <a:r>
+              <a:rPr lang="it-IT" dirty="0"/>
+              <a:t>`</a:t>
+            </a:r>
+            <a:r>
+              <a:rPr lang="it-IT" dirty="0" err="1"/>
+              <a:t>Surname</a:t>
+            </a:r>
+            <a:r>
+              <a:rPr lang="it-IT" dirty="0"/>
+              <a:t>` </a:t>
+            </a:r>
+            <a:r>
+              <a:rPr lang="it-IT" dirty="0" err="1"/>
+              <a:t>varchar</a:t>
+            </a:r>
+            <a:r>
+              <a:rPr lang="it-IT" dirty="0"/>
+              <a:t>(45) NOT NULL,  </a:t>
+            </a:r>
+          </a:p>
+          <a:p>
+            <a:pPr marL="0" indent="0">
+              <a:buNone/>
+            </a:pPr>
+            <a:r>
+              <a:rPr lang="it-IT" dirty="0"/>
+              <a:t>PRIMARY KEY (`</a:t>
+            </a:r>
+            <a:r>
+              <a:rPr lang="it-IT" dirty="0" err="1"/>
+              <a:t>UserId</a:t>
+            </a:r>
+            <a:r>
+              <a:rPr lang="it-IT" dirty="0"/>
+              <a:t>`),  </a:t>
+            </a:r>
+          </a:p>
+          <a:p>
+            <a:pPr marL="0" indent="0">
+              <a:buNone/>
+            </a:pPr>
+            <a:r>
+              <a:rPr lang="it-IT" dirty="0"/>
+              <a:t>UNIQUE KEY `</a:t>
+            </a:r>
+            <a:r>
+              <a:rPr lang="it-IT" dirty="0" err="1"/>
+              <a:t>Username_UNIQUE</a:t>
+            </a:r>
+            <a:r>
+              <a:rPr lang="it-IT" dirty="0"/>
+              <a:t>` (`Username`)</a:t>
+            </a:r>
+          </a:p>
+          <a:p>
+            <a:pPr marL="0" indent="0">
+              <a:buNone/>
+            </a:pPr>
+            <a:r>
+              <a:rPr lang="it-IT" dirty="0"/>
+              <a:t>)</a:t>
+            </a:r>
+          </a:p>
+        </p:txBody>
+      </p:sp>
+    </p:spTree>
+    <p:extLst>
+      <p:ext uri="{BB962C8B-B14F-4D97-AF65-F5344CB8AC3E}">
+        <p14:creationId xmlns:p14="http://schemas.microsoft.com/office/powerpoint/2010/main" val="918785800"/>
+      </p:ext>
+    </p:extLst>
+  </p:cSld>
+  <p:clrMapOvr>
+    <a:masterClrMapping/>
+  </p:clrMapOvr>
+</p:sld>
+</file>
+
+<file path=ppt/slides/slide6.xml><?xml version="1.0" encoding="utf-8"?>
+<p:sld xmlns:a="http://schemas.openxmlformats.org/drawingml/2006/main" xmlns:r="http://schemas.openxmlformats.org/officeDocument/2006/relationships" xmlns:p="http://schemas.openxmlformats.org/presentationml/2006/main">
+  <p:cSld>
+    <p:spTree>
+      <p:nvGrpSpPr>
+        <p:cNvPr id="1" name=""/>
+        <p:cNvGrpSpPr/>
+        <p:nvPr/>
+      </p:nvGrpSpPr>
+      <p:grpSpPr>
+        <a:xfrm>
+          <a:off x="0" y="0"/>
+          <a:ext cx="0" cy="0"/>
+          <a:chOff x="0" y="0"/>
+          <a:chExt cx="0" cy="0"/>
+        </a:xfrm>
+      </p:grpSpPr>
+      <p:sp>
+        <p:nvSpPr>
+          <p:cNvPr id="2" name="Titolo 1">
+            <a:extLst>
+              <a:ext uri="{FF2B5EF4-FFF2-40B4-BE49-F238E27FC236}">
+                <a16:creationId xmlns:a16="http://schemas.microsoft.com/office/drawing/2014/main" id="{67282455-4C19-444E-BFE7-FA39C0103B6F}"/>
+              </a:ext>
+            </a:extLst>
+          </p:cNvPr>
+          <p:cNvSpPr>
+            <a:spLocks noGrp="1"/>
+          </p:cNvSpPr>
+          <p:nvPr>
+            <p:ph type="title"/>
+          </p:nvPr>
+        </p:nvSpPr>
+        <p:spPr/>
+        <p:txBody>
+          <a:bodyPr/>
+          <a:lstStyle/>
+          <a:p>
+            <a:r>
+              <a:rPr lang="it-IT" dirty="0"/>
+              <a:t>Schema database locale</a:t>
+            </a:r>
+          </a:p>
+        </p:txBody>
+      </p:sp>
+      <p:sp>
+        <p:nvSpPr>
+          <p:cNvPr id="3" name="Segnaposto contenuto 2">
+            <a:extLst>
+              <a:ext uri="{FF2B5EF4-FFF2-40B4-BE49-F238E27FC236}">
+                <a16:creationId xmlns:a16="http://schemas.microsoft.com/office/drawing/2014/main" id="{153667B8-3E6F-4D6B-858E-03ECE1963BA6}"/>
+              </a:ext>
+            </a:extLst>
+          </p:cNvPr>
+          <p:cNvSpPr>
+            <a:spLocks noGrp="1"/>
+          </p:cNvSpPr>
+          <p:nvPr>
+            <p:ph idx="1"/>
+          </p:nvPr>
+        </p:nvSpPr>
+        <p:spPr/>
+        <p:txBody>
+          <a:bodyPr>
+            <a:normAutofit/>
+          </a:bodyPr>
+          <a:lstStyle/>
+          <a:p>
+            <a:pPr marL="0" indent="0">
+              <a:buNone/>
+            </a:pPr>
+            <a:r>
+              <a:rPr lang="en-US" dirty="0"/>
+              <a:t>CREATE TABLE `category` (  </a:t>
+            </a:r>
+          </a:p>
+          <a:p>
+            <a:pPr marL="0" indent="0">
+              <a:buNone/>
+            </a:pPr>
+            <a:r>
+              <a:rPr lang="en-US" dirty="0"/>
+              <a:t>`Id` int NOT NULL AUTO_INCREMENT,  </a:t>
+            </a:r>
+          </a:p>
+          <a:p>
+            <a:pPr marL="0" indent="0">
+              <a:buNone/>
+            </a:pPr>
+            <a:r>
+              <a:rPr lang="en-US" dirty="0"/>
+              <a:t>`Name` varchar(45) NOT NULL,  </a:t>
+            </a:r>
+          </a:p>
+          <a:p>
+            <a:pPr marL="0" indent="0">
+              <a:buNone/>
+            </a:pPr>
+            <a:r>
+              <a:rPr lang="en-US" dirty="0"/>
+              <a:t>`Father` int DEFAULT NULL,  </a:t>
+            </a:r>
+          </a:p>
+          <a:p>
+            <a:pPr marL="0" indent="0">
+              <a:buNone/>
+            </a:pPr>
+            <a:r>
+              <a:rPr lang="en-US" dirty="0"/>
+              <a:t>`Position` int NOT NULL,  </a:t>
+            </a:r>
+          </a:p>
+          <a:p>
+            <a:pPr marL="0" indent="0">
+              <a:buNone/>
+            </a:pPr>
+            <a:r>
+              <a:rPr lang="en-US" dirty="0"/>
+              <a:t>PRIMARY KEY (`Id`),  </a:t>
+            </a:r>
+          </a:p>
+          <a:p>
+            <a:pPr marL="0" indent="0">
+              <a:buNone/>
+            </a:pPr>
+            <a:r>
+              <a:rPr lang="en-US" dirty="0"/>
+              <a:t>UNIQUE KEY `</a:t>
+            </a:r>
+            <a:r>
+              <a:rPr lang="en-US" dirty="0" err="1"/>
+              <a:t>Name_UNIQUE</a:t>
+            </a:r>
+            <a:r>
+              <a:rPr lang="en-US" dirty="0"/>
+              <a:t>` (`Name`)</a:t>
+            </a:r>
+          </a:p>
+          <a:p>
+            <a:pPr marL="0" indent="0">
+              <a:buNone/>
+            </a:pPr>
+            <a:r>
+              <a:rPr lang="en-US" dirty="0"/>
+              <a:t>) </a:t>
+            </a:r>
+            <a:endParaRPr lang="it-IT" dirty="0"/>
+          </a:p>
+        </p:txBody>
+      </p:sp>
+    </p:spTree>
+    <p:extLst>
+      <p:ext uri="{BB962C8B-B14F-4D97-AF65-F5344CB8AC3E}">
+        <p14:creationId xmlns:p14="http://schemas.microsoft.com/office/powerpoint/2010/main" val="3668619195"/>
+      </p:ext>
+    </p:extLst>
+  </p:cSld>
+  <p:clrMapOvr>
+    <a:masterClrMapping/>
+  </p:clrMapOvr>
+</p:sld>
+</file>
+
+<file path=ppt/slides/slide7.xml><?xml version="1.0" encoding="utf-8"?>
+<p:sld xmlns:a="http://schemas.openxmlformats.org/drawingml/2006/main" xmlns:r="http://schemas.openxmlformats.org/officeDocument/2006/relationships" xmlns:p="http://schemas.openxmlformats.org/presentationml/2006/main">
+  <p:cSld>
+    <p:spTree>
+      <p:nvGrpSpPr>
+        <p:cNvPr id="1" name=""/>
+        <p:cNvGrpSpPr/>
+        <p:nvPr/>
+      </p:nvGrpSpPr>
+      <p:grpSpPr>
+        <a:xfrm>
+          <a:off x="0" y="0"/>
+          <a:ext cx="0" cy="0"/>
+          <a:chOff x="0" y="0"/>
+          <a:chExt cx="0" cy="0"/>
+        </a:xfrm>
+      </p:grpSpPr>
+      <p:sp>
+        <p:nvSpPr>
+          <p:cNvPr id="4" name="Titolo 3">
+            <a:extLst>
+              <a:ext uri="{FF2B5EF4-FFF2-40B4-BE49-F238E27FC236}">
+                <a16:creationId xmlns:a16="http://schemas.microsoft.com/office/drawing/2014/main" id="{85E9091D-F543-4CDC-A17B-B04B87A77565}"/>
+              </a:ext>
+            </a:extLst>
+          </p:cNvPr>
+          <p:cNvSpPr>
+            <a:spLocks noGrp="1"/>
+          </p:cNvSpPr>
+          <p:nvPr>
+            <p:ph type="title"/>
+          </p:nvPr>
+        </p:nvSpPr>
+        <p:spPr>
+          <a:xfrm>
+            <a:off x="838200" y="-16769"/>
+            <a:ext cx="10515600" cy="1325563"/>
+          </a:xfrm>
+        </p:spPr>
+        <p:txBody>
+          <a:bodyPr/>
+          <a:lstStyle/>
+          <a:p>
+            <a:r>
+              <a:rPr lang="it-IT" dirty="0"/>
+              <a:t>Analisi dei requisiti dell’applicazione</a:t>
+            </a:r>
+          </a:p>
+        </p:txBody>
+      </p:sp>
+      <p:sp>
+        <p:nvSpPr>
+          <p:cNvPr id="5" name="Segnaposto contenuto 4">
+            <a:extLst>
+              <a:ext uri="{FF2B5EF4-FFF2-40B4-BE49-F238E27FC236}">
+                <a16:creationId xmlns:a16="http://schemas.microsoft.com/office/drawing/2014/main" id="{9A62D560-AFED-473C-80C1-8F270C53A78E}"/>
+              </a:ext>
+            </a:extLst>
+          </p:cNvPr>
+          <p:cNvSpPr>
+            <a:spLocks noGrp="1"/>
+          </p:cNvSpPr>
+          <p:nvPr>
+            <p:ph idx="1"/>
+          </p:nvPr>
+        </p:nvSpPr>
+        <p:spPr>
+          <a:xfrm>
+            <a:off x="838200" y="1090862"/>
+            <a:ext cx="10515600" cy="5213685"/>
+          </a:xfrm>
+        </p:spPr>
+        <p:txBody>
+          <a:bodyPr>
+            <a:normAutofit/>
+          </a:bodyPr>
+          <a:lstStyle/>
+          <a:p>
+            <a:pPr marL="0" indent="0">
+              <a:buNone/>
+            </a:pPr>
+            <a:r>
+              <a:rPr lang="it-IT" sz="2000" dirty="0"/>
+              <a:t>Un’applicazione permette all’utente di gestire una tassonomia di classificazione utile per etichettare immagini allo scopo di consentire la ricerca in base alla categoria. Dopo il </a:t>
+            </a:r>
+            <a:r>
+              <a:rPr lang="it-IT" sz="2000" dirty="0">
+                <a:solidFill>
+                  <a:schemeClr val="accent4">
+                    <a:lumMod val="75000"/>
+                  </a:schemeClr>
+                </a:solidFill>
+              </a:rPr>
+              <a:t>login</a:t>
+            </a:r>
+            <a:r>
+              <a:rPr lang="it-IT" sz="2000" dirty="0"/>
+              <a:t>, l’utente </a:t>
+            </a:r>
+            <a:r>
+              <a:rPr lang="it-IT" sz="2000" dirty="0">
+                <a:solidFill>
+                  <a:srgbClr val="0070C0"/>
+                </a:solidFill>
+              </a:rPr>
+              <a:t>accede a una pagina </a:t>
+            </a:r>
+            <a:r>
+              <a:rPr lang="it-IT" sz="2000" dirty="0">
+                <a:solidFill>
+                  <a:srgbClr val="FF0000"/>
+                </a:solidFill>
+              </a:rPr>
+              <a:t>HOME</a:t>
+            </a:r>
+            <a:r>
+              <a:rPr lang="it-IT" sz="2000" dirty="0"/>
+              <a:t> in cui compare </a:t>
+            </a:r>
+            <a:r>
+              <a:rPr lang="it-IT" sz="2000" dirty="0">
+                <a:solidFill>
+                  <a:srgbClr val="00B050"/>
+                </a:solidFill>
+              </a:rPr>
+              <a:t>un albero gerarchico di categorie</a:t>
+            </a:r>
+            <a:r>
+              <a:rPr lang="it-IT" sz="2000" dirty="0"/>
+              <a:t>. Le categorie non dipendono dall’utente e sono in comune tra tutti gli utenti. Le categorie hanno nomi distinti.</a:t>
+            </a:r>
+          </a:p>
+          <a:p>
+            <a:pPr marL="0" indent="0">
+              <a:buNone/>
+            </a:pPr>
+            <a:r>
+              <a:rPr lang="it-IT" sz="2000" dirty="0"/>
+              <a:t>L’utente può </a:t>
+            </a:r>
+            <a:r>
+              <a:rPr lang="it-IT" sz="2000" dirty="0">
+                <a:solidFill>
+                  <a:schemeClr val="accent4">
+                    <a:lumMod val="75000"/>
+                  </a:schemeClr>
+                </a:solidFill>
+              </a:rPr>
+              <a:t>inserire una nuova categoria nell’albero</a:t>
+            </a:r>
+            <a:r>
+              <a:rPr lang="it-IT" sz="2000" dirty="0"/>
+              <a:t>. Per fare ciò usa una</a:t>
+            </a:r>
+            <a:r>
+              <a:rPr lang="it-IT" sz="2000" dirty="0">
+                <a:solidFill>
+                  <a:srgbClr val="00B050"/>
+                </a:solidFill>
+              </a:rPr>
+              <a:t> </a:t>
+            </a:r>
+            <a:r>
+              <a:rPr lang="it-IT" sz="2000" dirty="0" err="1">
+                <a:solidFill>
+                  <a:srgbClr val="00B050"/>
+                </a:solidFill>
+              </a:rPr>
+              <a:t>form</a:t>
+            </a:r>
+            <a:r>
+              <a:rPr lang="it-IT" sz="2000" dirty="0">
+                <a:solidFill>
+                  <a:srgbClr val="00B050"/>
+                </a:solidFill>
+              </a:rPr>
+              <a:t> </a:t>
+            </a:r>
+            <a:r>
+              <a:rPr lang="it-IT" sz="2000" dirty="0"/>
+              <a:t>nella pagina HOME in cui specifica il nome della nuova categoria e sceglie la categoria padre. L’</a:t>
+            </a:r>
+            <a:r>
+              <a:rPr lang="it-IT" sz="2000" dirty="0">
+                <a:solidFill>
+                  <a:srgbClr val="0070C0"/>
+                </a:solidFill>
+              </a:rPr>
+              <a:t>invio</a:t>
+            </a:r>
+            <a:r>
+              <a:rPr lang="it-IT" sz="2000" dirty="0"/>
+              <a:t> della nuova categoria comporta l’aggiornamento dell’albero: la nuova categoria è appesa alla categoria padre come ultimo </a:t>
+            </a:r>
+            <a:r>
+              <a:rPr lang="it-IT" sz="2000" dirty="0" err="1"/>
+              <a:t>sottoelemento</a:t>
+            </a:r>
+            <a:r>
+              <a:rPr lang="it-IT" sz="2000" dirty="0"/>
+              <a:t>. Alla nuova categoria viene assegnato un codice numerico che ne riflette la posizione. Per ogni categoria il numero massimo di sottocategorie è 9.</a:t>
+            </a:r>
+          </a:p>
+          <a:p>
+            <a:pPr marL="0" indent="0">
+              <a:buNone/>
+            </a:pPr>
+            <a:r>
+              <a:rPr lang="it-IT" sz="2000" dirty="0"/>
+              <a:t>Dopo la creazione di una categoria, la pagina HOME mostra l’albero aggiornato. L’utente può </a:t>
+            </a:r>
+            <a:r>
+              <a:rPr lang="it-IT" sz="2000" dirty="0">
+                <a:solidFill>
+                  <a:schemeClr val="accent4">
+                    <a:lumMod val="75000"/>
+                  </a:schemeClr>
+                </a:solidFill>
+              </a:rPr>
+              <a:t>spostare di posizione una categoria</a:t>
+            </a:r>
+            <a:r>
+              <a:rPr lang="it-IT" sz="2000" dirty="0"/>
+              <a:t>: per fare ciò </a:t>
+            </a:r>
+            <a:r>
+              <a:rPr lang="it-IT" sz="2000" dirty="0">
+                <a:solidFill>
+                  <a:srgbClr val="0070C0"/>
+                </a:solidFill>
+              </a:rPr>
+              <a:t>clicca</a:t>
+            </a:r>
+            <a:r>
+              <a:rPr lang="it-IT" sz="2000" dirty="0"/>
+              <a:t> sul </a:t>
+            </a:r>
+            <a:r>
+              <a:rPr lang="it-IT" sz="2000" dirty="0">
+                <a:solidFill>
+                  <a:srgbClr val="00B050"/>
+                </a:solidFill>
+              </a:rPr>
+              <a:t>link “sposta” </a:t>
+            </a:r>
+            <a:r>
+              <a:rPr lang="it-IT" sz="2000" dirty="0"/>
+              <a:t>associato alla categoria da spostare. A seguito di tale azione l’applicazione mostra, sempre nella HOME page, l’albero con evidenziato il sotto albero attestato sulla categoria da spostare: tutte le altre categorie hanno un </a:t>
+            </a:r>
+            <a:r>
+              <a:rPr lang="it-IT" sz="2000" dirty="0">
+                <a:solidFill>
+                  <a:srgbClr val="00B050"/>
+                </a:solidFill>
+              </a:rPr>
+              <a:t>link “sposta qui”</a:t>
+            </a:r>
+            <a:r>
+              <a:rPr lang="it-IT" sz="2000" dirty="0"/>
+              <a:t>. La </a:t>
+            </a:r>
+            <a:r>
+              <a:rPr lang="it-IT" sz="2000" dirty="0">
+                <a:solidFill>
+                  <a:srgbClr val="0070C0"/>
+                </a:solidFill>
+              </a:rPr>
+              <a:t>selezione di un link</a:t>
+            </a:r>
+            <a:r>
+              <a:rPr lang="it-IT" sz="2000" dirty="0"/>
+              <a:t> “sposta qui” comporta l’inserimento della categoria da spostare come ultimo figlio della categoria destinazione.</a:t>
+            </a:r>
+          </a:p>
+          <a:p>
+            <a:pPr marL="0" indent="0">
+              <a:buNone/>
+            </a:pPr>
+            <a:r>
+              <a:rPr lang="it-IT" sz="2000" dirty="0"/>
+              <a:t>Le modifiche effettuate da un utente e salvate nella base di dati diventano visibili agli altri utenti. Lo spostamento potrebbe creare un vuoto nella numerazione delle categorie figlie dello stesso padre.</a:t>
+            </a:r>
+          </a:p>
+          <a:p>
+            <a:pPr marL="0" indent="0">
+              <a:buNone/>
+            </a:pPr>
+            <a:endParaRPr lang="it-IT" sz="2000" dirty="0"/>
+          </a:p>
+        </p:txBody>
+      </p:sp>
+      <p:sp>
+        <p:nvSpPr>
+          <p:cNvPr id="2" name="CasellaDiTesto 1">
+            <a:extLst>
+              <a:ext uri="{FF2B5EF4-FFF2-40B4-BE49-F238E27FC236}">
+                <a16:creationId xmlns:a16="http://schemas.microsoft.com/office/drawing/2014/main" id="{96B10EFC-4989-4772-8382-6D7A253E87E1}"/>
+              </a:ext>
+            </a:extLst>
+          </p:cNvPr>
+          <p:cNvSpPr txBox="1"/>
+          <p:nvPr/>
+        </p:nvSpPr>
+        <p:spPr>
+          <a:xfrm>
+            <a:off x="838200" y="6448926"/>
+            <a:ext cx="3603551" cy="369332"/>
+          </a:xfrm>
+          <a:prstGeom prst="rect">
+            <a:avLst/>
+          </a:prstGeom>
+          <a:noFill/>
+        </p:spPr>
+        <p:txBody>
+          <a:bodyPr wrap="none" rtlCol="0">
+            <a:spAutoFit/>
+          </a:bodyPr>
+          <a:lstStyle/>
+          <a:p>
+            <a:r>
+              <a:rPr lang="it-IT" dirty="0"/>
+              <a:t>(</a:t>
+            </a:r>
+            <a:r>
+              <a:rPr lang="it-IT" b="1" dirty="0">
+                <a:solidFill>
+                  <a:srgbClr val="FF0000"/>
+                </a:solidFill>
+              </a:rPr>
+              <a:t>Pagine</a:t>
+            </a:r>
+            <a:r>
+              <a:rPr lang="it-IT" dirty="0"/>
+              <a:t>, </a:t>
+            </a:r>
+            <a:r>
+              <a:rPr lang="it-IT" b="1" dirty="0">
+                <a:solidFill>
+                  <a:srgbClr val="00B050"/>
+                </a:solidFill>
+              </a:rPr>
+              <a:t>componenti</a:t>
+            </a:r>
+            <a:r>
+              <a:rPr lang="it-IT" dirty="0"/>
+              <a:t>, </a:t>
+            </a:r>
+            <a:r>
+              <a:rPr lang="it-IT" b="1" dirty="0">
+                <a:solidFill>
+                  <a:srgbClr val="0070C0"/>
+                </a:solidFill>
+              </a:rPr>
+              <a:t>eventi</a:t>
+            </a:r>
+            <a:r>
+              <a:rPr lang="it-IT" dirty="0"/>
+              <a:t>,</a:t>
+            </a:r>
+            <a:r>
+              <a:rPr lang="it-IT" dirty="0">
+                <a:solidFill>
+                  <a:srgbClr val="0070C0"/>
+                </a:solidFill>
+              </a:rPr>
+              <a:t> </a:t>
+            </a:r>
+            <a:r>
+              <a:rPr lang="it-IT" b="1" dirty="0">
+                <a:solidFill>
+                  <a:schemeClr val="accent4">
+                    <a:lumMod val="75000"/>
+                  </a:schemeClr>
+                </a:solidFill>
+              </a:rPr>
+              <a:t>azioni</a:t>
+            </a:r>
+            <a:r>
+              <a:rPr lang="it-IT" dirty="0"/>
+              <a:t>)</a:t>
+            </a:r>
+          </a:p>
+        </p:txBody>
+      </p:sp>
+    </p:spTree>
+    <p:extLst>
+      <p:ext uri="{BB962C8B-B14F-4D97-AF65-F5344CB8AC3E}">
+        <p14:creationId xmlns:p14="http://schemas.microsoft.com/office/powerpoint/2010/main" val="655870872"/>
+      </p:ext>
+    </p:extLst>
+  </p:cSld>
+  <p:clrMapOvr>
+    <a:masterClrMapping/>
+  </p:clrMapOvr>
+</p:sld>
+</file>
+
+<file path=ppt/slides/slide8.xml><?xml version="1.0" encoding="utf-8"?>
+<p:sld xmlns:a="http://schemas.openxmlformats.org/drawingml/2006/main" xmlns:r="http://schemas.openxmlformats.org/officeDocument/2006/relationships" xmlns:p="http://schemas.openxmlformats.org/presentationml/2006/main">
+  <p:cSld>
+    <p:spTree>
+      <p:nvGrpSpPr>
+        <p:cNvPr id="1" name=""/>
+        <p:cNvGrpSpPr/>
+        <p:nvPr/>
+      </p:nvGrpSpPr>
+      <p:grpSpPr>
+        <a:xfrm>
+          <a:off x="0" y="0"/>
+          <a:ext cx="0" cy="0"/>
+          <a:chOff x="0" y="0"/>
+          <a:chExt cx="0" cy="0"/>
+        </a:xfrm>
+      </p:grpSpPr>
+      <p:sp>
+        <p:nvSpPr>
+          <p:cNvPr id="2" name="Titolo 1">
+            <a:extLst>
+              <a:ext uri="{FF2B5EF4-FFF2-40B4-BE49-F238E27FC236}">
+                <a16:creationId xmlns:a16="http://schemas.microsoft.com/office/drawing/2014/main" id="{6007D813-4A39-4AA9-992F-632FE8BE3EB3}"/>
+              </a:ext>
+            </a:extLst>
+          </p:cNvPr>
+          <p:cNvSpPr>
+            <a:spLocks noGrp="1"/>
+          </p:cNvSpPr>
+          <p:nvPr>
+            <p:ph type="title"/>
+          </p:nvPr>
+        </p:nvSpPr>
+        <p:spPr/>
+        <p:txBody>
+          <a:bodyPr/>
+          <a:lstStyle/>
+          <a:p>
+            <a:r>
+              <a:rPr lang="it-IT" dirty="0"/>
+              <a:t>Completamento delle specifiche</a:t>
+            </a:r>
+          </a:p>
+        </p:txBody>
+      </p:sp>
+      <p:sp>
+        <p:nvSpPr>
+          <p:cNvPr id="3" name="Segnaposto contenuto 2">
+            <a:extLst>
+              <a:ext uri="{FF2B5EF4-FFF2-40B4-BE49-F238E27FC236}">
+                <a16:creationId xmlns:a16="http://schemas.microsoft.com/office/drawing/2014/main" id="{D9E45FC6-B724-4116-BDFB-097E35E31870}"/>
+              </a:ext>
+            </a:extLst>
+          </p:cNvPr>
+          <p:cNvSpPr>
+            <a:spLocks noGrp="1"/>
+          </p:cNvSpPr>
+          <p:nvPr>
+            <p:ph idx="1"/>
+          </p:nvPr>
+        </p:nvSpPr>
+        <p:spPr/>
+        <p:txBody>
+          <a:bodyPr/>
+          <a:lstStyle/>
+          <a:p>
+            <a:pPr>
+              <a:buFontTx/>
+              <a:buChar char="-"/>
+            </a:pPr>
+            <a:r>
+              <a:rPr lang="it-IT" dirty="0"/>
+              <a:t>Si effettua il login nella </a:t>
+            </a:r>
+            <a:r>
+              <a:rPr lang="it-IT" dirty="0">
+                <a:solidFill>
+                  <a:srgbClr val="FF0000"/>
+                </a:solidFill>
+              </a:rPr>
+              <a:t>pagina di default</a:t>
+            </a:r>
+          </a:p>
+          <a:p>
+            <a:pPr>
+              <a:buFontTx/>
+              <a:buChar char="-"/>
+            </a:pPr>
+            <a:endParaRPr lang="it-IT" dirty="0"/>
+          </a:p>
+        </p:txBody>
+      </p:sp>
+    </p:spTree>
+    <p:extLst>
+      <p:ext uri="{BB962C8B-B14F-4D97-AF65-F5344CB8AC3E}">
+        <p14:creationId xmlns:p14="http://schemas.microsoft.com/office/powerpoint/2010/main" val="672476522"/>
+      </p:ext>
+    </p:extLst>
+  </p:cSld>
+  <p:clrMapOvr>
+    <a:masterClrMapping/>
+  </p:clrMapOvr>
+</p:sld>
+</file>
+
+<file path=ppt/slides/slide9.xml><?xml version="1.0" encoding="utf-8"?>
+<p:sld xmlns:a="http://schemas.openxmlformats.org/drawingml/2006/main" xmlns:r="http://schemas.openxmlformats.org/officeDocument/2006/relationships" xmlns:p="http://schemas.openxmlformats.org/presentationml/2006/main">
+  <p:cSld>
+    <p:spTree>
+      <p:nvGrpSpPr>
+        <p:cNvPr id="1" name=""/>
+        <p:cNvGrpSpPr/>
+        <p:nvPr/>
+      </p:nvGrpSpPr>
+      <p:grpSpPr>
+        <a:xfrm>
+          <a:off x="0" y="0"/>
+          <a:ext cx="0" cy="0"/>
+          <a:chOff x="0" y="0"/>
+          <a:chExt cx="0" cy="0"/>
+        </a:xfrm>
+      </p:grpSpPr>
+      <p:sp>
+        <p:nvSpPr>
+          <p:cNvPr id="2" name="Titolo 1">
+            <a:extLst>
+              <a:ext uri="{FF2B5EF4-FFF2-40B4-BE49-F238E27FC236}">
+                <a16:creationId xmlns:a16="http://schemas.microsoft.com/office/drawing/2014/main" id="{BDD2DD75-96FE-46A2-87A6-E8636D0624AE}"/>
+              </a:ext>
+            </a:extLst>
+          </p:cNvPr>
+          <p:cNvSpPr>
+            <a:spLocks noGrp="1"/>
+          </p:cNvSpPr>
+          <p:nvPr>
+            <p:ph type="title"/>
+          </p:nvPr>
+        </p:nvSpPr>
+        <p:spPr/>
+        <p:txBody>
+          <a:bodyPr/>
+          <a:lstStyle/>
+          <a:p>
+            <a:r>
+              <a:rPr lang="it-IT" dirty="0"/>
+              <a:t>Progettazione dell’applicazione</a:t>
+            </a:r>
+          </a:p>
+        </p:txBody>
+      </p:sp>
+      <p:sp>
+        <p:nvSpPr>
+          <p:cNvPr id="3" name="Segnaposto contenuto 2">
+            <a:extLst>
+              <a:ext uri="{FF2B5EF4-FFF2-40B4-BE49-F238E27FC236}">
+                <a16:creationId xmlns:a16="http://schemas.microsoft.com/office/drawing/2014/main" id="{B4F555D9-62A5-44F6-913F-517590D1606F}"/>
+              </a:ext>
+            </a:extLst>
+          </p:cNvPr>
+          <p:cNvSpPr>
+            <a:spLocks noGrp="1"/>
+          </p:cNvSpPr>
+          <p:nvPr>
+            <p:ph idx="1"/>
+          </p:nvPr>
+        </p:nvSpPr>
+        <p:spPr/>
+        <p:txBody>
+          <a:bodyPr/>
+          <a:lstStyle/>
+          <a:p>
+            <a:endParaRPr lang="it-IT"/>
+          </a:p>
+        </p:txBody>
+      </p:sp>
+    </p:spTree>
+    <p:extLst>
+      <p:ext uri="{BB962C8B-B14F-4D97-AF65-F5344CB8AC3E}">
+        <p14:creationId xmlns:p14="http://schemas.microsoft.com/office/powerpoint/2010/main" val="130705466"/>
       </p:ext>
     </p:extLst>
   </p:cSld>

--- a/Documents/TIWProject.pptx
+++ b/Documents/TIWProject.pptx
@@ -15,9 +15,11 @@
     <p:sldId id="260" r:id="rId9"/>
     <p:sldId id="262" r:id="rId10"/>
     <p:sldId id="263" r:id="rId11"/>
-    <p:sldId id="261" r:id="rId12"/>
-    <p:sldId id="264" r:id="rId13"/>
-    <p:sldId id="265" r:id="rId14"/>
+    <p:sldId id="275" r:id="rId12"/>
+    <p:sldId id="273" r:id="rId13"/>
+    <p:sldId id="261" r:id="rId14"/>
+    <p:sldId id="264" r:id="rId15"/>
+    <p:sldId id="265" r:id="rId16"/>
   </p:sldIdLst>
   <p:sldSz cx="12192000" cy="6858000"/>
   <p:notesSz cx="6858000" cy="9144000"/>
@@ -271,7 +273,7 @@
           <a:p>
             <a:fld id="{9095D452-AC6C-4F76-AAC2-D7F0BCF6D03B}" type="datetimeFigureOut">
               <a:rPr lang="it-IT" smtClean="0"/>
-              <a:t>12/08/2021</a:t>
+              <a:t>14/08/2021</a:t>
             </a:fld>
             <a:endParaRPr lang="it-IT"/>
           </a:p>
@@ -469,7 +471,7 @@
           <a:p>
             <a:fld id="{9095D452-AC6C-4F76-AAC2-D7F0BCF6D03B}" type="datetimeFigureOut">
               <a:rPr lang="it-IT" smtClean="0"/>
-              <a:t>12/08/2021</a:t>
+              <a:t>14/08/2021</a:t>
             </a:fld>
             <a:endParaRPr lang="it-IT"/>
           </a:p>
@@ -677,7 +679,7 @@
           <a:p>
             <a:fld id="{9095D452-AC6C-4F76-AAC2-D7F0BCF6D03B}" type="datetimeFigureOut">
               <a:rPr lang="it-IT" smtClean="0"/>
-              <a:t>12/08/2021</a:t>
+              <a:t>14/08/2021</a:t>
             </a:fld>
             <a:endParaRPr lang="it-IT"/>
           </a:p>
@@ -875,7 +877,7 @@
           <a:p>
             <a:fld id="{9095D452-AC6C-4F76-AAC2-D7F0BCF6D03B}" type="datetimeFigureOut">
               <a:rPr lang="it-IT" smtClean="0"/>
-              <a:t>12/08/2021</a:t>
+              <a:t>14/08/2021</a:t>
             </a:fld>
             <a:endParaRPr lang="it-IT"/>
           </a:p>
@@ -1150,7 +1152,7 @@
           <a:p>
             <a:fld id="{9095D452-AC6C-4F76-AAC2-D7F0BCF6D03B}" type="datetimeFigureOut">
               <a:rPr lang="it-IT" smtClean="0"/>
-              <a:t>12/08/2021</a:t>
+              <a:t>14/08/2021</a:t>
             </a:fld>
             <a:endParaRPr lang="it-IT"/>
           </a:p>
@@ -1415,7 +1417,7 @@
           <a:p>
             <a:fld id="{9095D452-AC6C-4F76-AAC2-D7F0BCF6D03B}" type="datetimeFigureOut">
               <a:rPr lang="it-IT" smtClean="0"/>
-              <a:t>12/08/2021</a:t>
+              <a:t>14/08/2021</a:t>
             </a:fld>
             <a:endParaRPr lang="it-IT"/>
           </a:p>
@@ -1827,7 +1829,7 @@
           <a:p>
             <a:fld id="{9095D452-AC6C-4F76-AAC2-D7F0BCF6D03B}" type="datetimeFigureOut">
               <a:rPr lang="it-IT" smtClean="0"/>
-              <a:t>12/08/2021</a:t>
+              <a:t>14/08/2021</a:t>
             </a:fld>
             <a:endParaRPr lang="it-IT"/>
           </a:p>
@@ -1968,7 +1970,7 @@
           <a:p>
             <a:fld id="{9095D452-AC6C-4F76-AAC2-D7F0BCF6D03B}" type="datetimeFigureOut">
               <a:rPr lang="it-IT" smtClean="0"/>
-              <a:t>12/08/2021</a:t>
+              <a:t>14/08/2021</a:t>
             </a:fld>
             <a:endParaRPr lang="it-IT"/>
           </a:p>
@@ -2081,7 +2083,7 @@
           <a:p>
             <a:fld id="{9095D452-AC6C-4F76-AAC2-D7F0BCF6D03B}" type="datetimeFigureOut">
               <a:rPr lang="it-IT" smtClean="0"/>
-              <a:t>12/08/2021</a:t>
+              <a:t>14/08/2021</a:t>
             </a:fld>
             <a:endParaRPr lang="it-IT"/>
           </a:p>
@@ -2392,7 +2394,7 @@
           <a:p>
             <a:fld id="{9095D452-AC6C-4F76-AAC2-D7F0BCF6D03B}" type="datetimeFigureOut">
               <a:rPr lang="it-IT" smtClean="0"/>
-              <a:t>12/08/2021</a:t>
+              <a:t>14/08/2021</a:t>
             </a:fld>
             <a:endParaRPr lang="it-IT"/>
           </a:p>
@@ -2680,7 +2682,7 @@
           <a:p>
             <a:fld id="{9095D452-AC6C-4F76-AAC2-D7F0BCF6D03B}" type="datetimeFigureOut">
               <a:rPr lang="it-IT" smtClean="0"/>
-              <a:t>12/08/2021</a:t>
+              <a:t>14/08/2021</a:t>
             </a:fld>
             <a:endParaRPr lang="it-IT"/>
           </a:p>
@@ -2921,7 +2923,7 @@
           <a:p>
             <a:fld id="{9095D452-AC6C-4F76-AAC2-D7F0BCF6D03B}" type="datetimeFigureOut">
               <a:rPr lang="it-IT" smtClean="0"/>
-              <a:t>12/08/2021</a:t>
+              <a:t>14/08/2021</a:t>
             </a:fld>
             <a:endParaRPr lang="it-IT"/>
           </a:p>
@@ -3354,14 +3356,23 @@
             <p:ph type="ctrTitle"/>
           </p:nvPr>
         </p:nvSpPr>
-        <p:spPr/>
+        <p:spPr>
+          <a:xfrm>
+            <a:off x="673768" y="1041400"/>
+            <a:ext cx="10844463" cy="2387600"/>
+          </a:xfrm>
+        </p:spPr>
         <p:txBody>
           <a:bodyPr/>
           <a:lstStyle/>
           <a:p>
             <a:r>
               <a:rPr lang="it-IT" dirty="0"/>
-              <a:t>Tecnologie Informatiche per il Web – AA. 2020/21</a:t>
+              <a:t>Tecnologie Informatiche per il Web </a:t>
+            </a:r>
+            <a:r>
+              <a:rPr lang="it-IT" sz="3200" dirty="0"/>
+              <a:t>AA. 2020/21</a:t>
             </a:r>
           </a:p>
         </p:txBody>
@@ -3382,7 +3393,12 @@
             <p:ph type="subTitle" idx="1"/>
           </p:nvPr>
         </p:nvSpPr>
-        <p:spPr/>
+        <p:spPr>
+          <a:xfrm>
+            <a:off x="1523999" y="3922880"/>
+            <a:ext cx="9144000" cy="1655762"/>
+          </a:xfrm>
+        </p:spPr>
         <p:txBody>
           <a:bodyPr>
             <a:normAutofit/>
@@ -3456,7 +3472,10 @@
           <a:bodyPr/>
           <a:lstStyle/>
           <a:p>
-            <a:endParaRPr lang="it-IT"/>
+            <a:r>
+              <a:rPr lang="it-IT" dirty="0"/>
+              <a:t>Progettazione dell’applicazione</a:t>
+            </a:r>
           </a:p>
         </p:txBody>
       </p:sp>
@@ -3520,7 +3539,7 @@
           <p:cNvPr id="2" name="Titolo 1">
             <a:extLst>
               <a:ext uri="{FF2B5EF4-FFF2-40B4-BE49-F238E27FC236}">
-                <a16:creationId xmlns:a16="http://schemas.microsoft.com/office/drawing/2014/main" id="{36F20C24-C8EC-4969-99B8-B17B8E39B4A2}"/>
+                <a16:creationId xmlns:a16="http://schemas.microsoft.com/office/drawing/2014/main" id="{2F72BC08-9961-4F69-B13F-37D06F02B329}"/>
               </a:ext>
             </a:extLst>
           </p:cNvPr>
@@ -3538,50 +3557,136 @@
           <a:p>
             <a:r>
               <a:rPr lang="it-IT" dirty="0"/>
-              <a:t>Versione con </a:t>
+              <a:t>Componenti</a:t>
+            </a:r>
+          </a:p>
+        </p:txBody>
+      </p:sp>
+      <p:sp>
+        <p:nvSpPr>
+          <p:cNvPr id="3" name="Segnaposto contenuto 2">
+            <a:extLst>
+              <a:ext uri="{FF2B5EF4-FFF2-40B4-BE49-F238E27FC236}">
+                <a16:creationId xmlns:a16="http://schemas.microsoft.com/office/drawing/2014/main" id="{B6F1163A-414F-4A7D-9A28-79BE2B5AF522}"/>
+              </a:ext>
+            </a:extLst>
+          </p:cNvPr>
+          <p:cNvSpPr>
+            <a:spLocks noGrp="1"/>
+          </p:cNvSpPr>
+          <p:nvPr>
+            <p:ph sz="half" idx="1"/>
+          </p:nvPr>
+        </p:nvSpPr>
+        <p:spPr/>
+        <p:txBody>
+          <a:bodyPr/>
+          <a:lstStyle/>
+          <a:p>
+            <a:r>
+              <a:rPr lang="it-IT" dirty="0"/>
+              <a:t>Model </a:t>
             </a:r>
             <a:r>
               <a:rPr lang="it-IT" dirty="0" err="1"/>
-              <a:t>Javascript</a:t>
+              <a:t>objects</a:t>
+            </a:r>
+            <a:r>
+              <a:rPr lang="it-IT" dirty="0"/>
+              <a:t> (</a:t>
+            </a:r>
+            <a:r>
+              <a:rPr lang="it-IT" dirty="0" err="1"/>
+              <a:t>Beans</a:t>
+            </a:r>
+            <a:r>
+              <a:rPr lang="it-IT" dirty="0"/>
+              <a:t>)</a:t>
+            </a:r>
+          </a:p>
+          <a:p>
+            <a:pPr marL="0" indent="0">
+              <a:buNone/>
+            </a:pPr>
+            <a:r>
+              <a:rPr lang="it-IT" dirty="0"/>
+              <a:t>- User</a:t>
+            </a:r>
+          </a:p>
+          <a:p>
+            <a:pPr marL="0" indent="0">
+              <a:buNone/>
+            </a:pPr>
+            <a:r>
+              <a:rPr lang="it-IT" dirty="0"/>
+              <a:t>- </a:t>
+            </a:r>
+            <a:r>
+              <a:rPr lang="it-IT" dirty="0" err="1"/>
+              <a:t>Category</a:t>
             </a:r>
             <a:endParaRPr lang="it-IT" dirty="0"/>
           </a:p>
-        </p:txBody>
-      </p:sp>
-      <p:sp>
-        <p:nvSpPr>
-          <p:cNvPr id="3" name="Segnaposto contenuto 2">
-            <a:extLst>
-              <a:ext uri="{FF2B5EF4-FFF2-40B4-BE49-F238E27FC236}">
-                <a16:creationId xmlns:a16="http://schemas.microsoft.com/office/drawing/2014/main" id="{C7010E9C-DD2C-4451-8DF7-9D8250D61CE7}"/>
-              </a:ext>
-            </a:extLst>
-          </p:cNvPr>
-          <p:cNvSpPr>
-            <a:spLocks noGrp="1"/>
-          </p:cNvSpPr>
-          <p:nvPr>
-            <p:ph idx="1"/>
-          </p:nvPr>
-        </p:nvSpPr>
-        <p:spPr>
-          <a:xfrm>
-            <a:off x="838200" y="1459832"/>
-            <a:ext cx="10515600" cy="4717131"/>
-          </a:xfrm>
-        </p:spPr>
-        <p:txBody>
-          <a:bodyPr>
-            <a:normAutofit fontScale="85000" lnSpcReduction="20000"/>
-          </a:bodyPr>
-          <a:lstStyle/>
+          <a:p>
+            <a:endParaRPr lang="it-IT" dirty="0"/>
+          </a:p>
+          <a:p>
+            <a:r>
+              <a:rPr lang="it-IT" dirty="0"/>
+              <a:t>Data Access Objects (Classes)</a:t>
+            </a:r>
+          </a:p>
           <a:p>
             <a:pPr marL="0" indent="0">
               <a:buNone/>
             </a:pPr>
             <a:r>
               <a:rPr lang="it-IT" dirty="0"/>
-              <a:t>Si realizzi un’applicazione client server web che estende e/o modifica le specifiche precedenti come segue:</a:t>
+              <a:t>- </a:t>
+            </a:r>
+            <a:r>
+              <a:rPr lang="it-IT" dirty="0" err="1"/>
+              <a:t>UserDAO</a:t>
+            </a:r>
+            <a:endParaRPr lang="it-IT" dirty="0"/>
+          </a:p>
+          <a:p>
+            <a:endParaRPr lang="it-IT" dirty="0"/>
+          </a:p>
+        </p:txBody>
+      </p:sp>
+      <p:sp>
+        <p:nvSpPr>
+          <p:cNvPr id="4" name="Segnaposto contenuto 3">
+            <a:extLst>
+              <a:ext uri="{FF2B5EF4-FFF2-40B4-BE49-F238E27FC236}">
+                <a16:creationId xmlns:a16="http://schemas.microsoft.com/office/drawing/2014/main" id="{214A45AE-1645-4998-A930-242D8B8E7F8C}"/>
+              </a:ext>
+            </a:extLst>
+          </p:cNvPr>
+          <p:cNvSpPr>
+            <a:spLocks noGrp="1"/>
+          </p:cNvSpPr>
+          <p:nvPr>
+            <p:ph sz="half" idx="2"/>
+          </p:nvPr>
+        </p:nvSpPr>
+        <p:spPr/>
+        <p:txBody>
+          <a:bodyPr/>
+          <a:lstStyle/>
+          <a:p>
+            <a:r>
+              <a:rPr lang="it-IT" dirty="0"/>
+              <a:t>Controllers (</a:t>
+            </a:r>
+            <a:r>
+              <a:rPr lang="it-IT" dirty="0" err="1"/>
+              <a:t>Servlets</a:t>
+            </a:r>
+            <a:r>
+              <a:rPr lang="it-IT" dirty="0"/>
+              <a:t>)</a:t>
             </a:r>
           </a:p>
           <a:p>
@@ -3590,16 +3695,23 @@
             </a:pPr>
             <a:r>
               <a:rPr lang="it-IT" dirty="0"/>
-              <a:t>● Dopo il login dell’utente, l’intera applicazione è realizzata con un’unica pagina.</a:t>
+              <a:t>- </a:t>
             </a:r>
           </a:p>
           <a:p>
             <a:pPr marL="0" indent="0">
               <a:buNone/>
             </a:pPr>
+            <a:endParaRPr lang="it-IT" dirty="0"/>
+          </a:p>
+          <a:p>
+            <a:r>
+              <a:rPr lang="it-IT" dirty="0" err="1"/>
+              <a:t>Views</a:t>
+            </a:r>
             <a:r>
               <a:rPr lang="it-IT" dirty="0"/>
-              <a:t>● Ogni interazione dell’utente è gestita senza ricaricare completamente la pagina, ma produce l’invocazione asincrona del server e l’eventuale modifica del contenuto da aggiornare a seguito dell’evento. </a:t>
+              <a:t> (Templates)</a:t>
             </a:r>
           </a:p>
           <a:p>
@@ -3608,25 +3720,7 @@
             </a:pPr>
             <a:r>
               <a:rPr lang="it-IT" dirty="0"/>
-              <a:t>● La funzione di spostamento di una categoria è realizzata mediante drag &amp; drop.</a:t>
-            </a:r>
-          </a:p>
-          <a:p>
-            <a:pPr marL="0" indent="0">
-              <a:buNone/>
-            </a:pPr>
-            <a:r>
-              <a:rPr lang="it-IT" dirty="0"/>
-              <a:t>● A seguito del drop della categoria da spostare compare una finestra di dialogo con cui l’utente può confermare o cancellare lo spostamento. La conferma produce l’aggiornamento a lato client dell’albero.</a:t>
-            </a:r>
-          </a:p>
-          <a:p>
-            <a:pPr marL="0" indent="0">
-              <a:buNone/>
-            </a:pPr>
-            <a:r>
-              <a:rPr lang="it-IT" dirty="0"/>
-              <a:t>● L’utente realizza spostamenti anche multipli a lato client. A seguito del primo spostamento compare un bottone SALVA la cui pressione provoca l’invio al server dell’elenco degli spostamenti realizzati (NON dell’intero albero). L’invio degli spostamenti produce l’aggiornamento dell’albero nella base dei dati e la comparsa di un messaggio di conferma dell’avvenuto salvataggio.</a:t>
+              <a:t>- </a:t>
             </a:r>
           </a:p>
         </p:txBody>
@@ -3634,7 +3728,7 @@
     </p:spTree>
     <p:extLst>
       <p:ext uri="{BB962C8B-B14F-4D97-AF65-F5344CB8AC3E}">
-        <p14:creationId xmlns:p14="http://schemas.microsoft.com/office/powerpoint/2010/main" val="2607107032"/>
+        <p14:creationId xmlns:p14="http://schemas.microsoft.com/office/powerpoint/2010/main" val="2273823986"/>
       </p:ext>
     </p:extLst>
   </p:cSld>
@@ -3666,6 +3760,232 @@
           <p:cNvPr id="2" name="Titolo 1">
             <a:extLst>
               <a:ext uri="{FF2B5EF4-FFF2-40B4-BE49-F238E27FC236}">
+                <a16:creationId xmlns:a16="http://schemas.microsoft.com/office/drawing/2014/main" id="{CD2CE0BB-F6DD-4574-BB88-561207774C5E}"/>
+              </a:ext>
+            </a:extLst>
+          </p:cNvPr>
+          <p:cNvSpPr>
+            <a:spLocks noGrp="1"/>
+          </p:cNvSpPr>
+          <p:nvPr>
+            <p:ph type="title"/>
+          </p:nvPr>
+        </p:nvSpPr>
+        <p:spPr/>
+        <p:txBody>
+          <a:bodyPr/>
+          <a:lstStyle/>
+          <a:p>
+            <a:endParaRPr lang="it-IT"/>
+          </a:p>
+        </p:txBody>
+      </p:sp>
+      <p:sp>
+        <p:nvSpPr>
+          <p:cNvPr id="3" name="Segnaposto contenuto 2">
+            <a:extLst>
+              <a:ext uri="{FF2B5EF4-FFF2-40B4-BE49-F238E27FC236}">
+                <a16:creationId xmlns:a16="http://schemas.microsoft.com/office/drawing/2014/main" id="{55C3A902-B31D-4941-A768-9FA4BA21BF57}"/>
+              </a:ext>
+            </a:extLst>
+          </p:cNvPr>
+          <p:cNvSpPr>
+            <a:spLocks noGrp="1"/>
+          </p:cNvSpPr>
+          <p:nvPr>
+            <p:ph idx="1"/>
+          </p:nvPr>
+        </p:nvSpPr>
+        <p:spPr/>
+        <p:txBody>
+          <a:bodyPr/>
+          <a:lstStyle/>
+          <a:p>
+            <a:endParaRPr lang="it-IT"/>
+          </a:p>
+        </p:txBody>
+      </p:sp>
+    </p:spTree>
+    <p:extLst>
+      <p:ext uri="{BB962C8B-B14F-4D97-AF65-F5344CB8AC3E}">
+        <p14:creationId xmlns:p14="http://schemas.microsoft.com/office/powerpoint/2010/main" val="3585775788"/>
+      </p:ext>
+    </p:extLst>
+  </p:cSld>
+  <p:clrMapOvr>
+    <a:masterClrMapping/>
+  </p:clrMapOvr>
+</p:sld>
+</file>
+
+<file path=ppt/slides/slide13.xml><?xml version="1.0" encoding="utf-8"?>
+<p:sld xmlns:a="http://schemas.openxmlformats.org/drawingml/2006/main" xmlns:r="http://schemas.openxmlformats.org/officeDocument/2006/relationships" xmlns:p="http://schemas.openxmlformats.org/presentationml/2006/main">
+  <p:cSld>
+    <p:spTree>
+      <p:nvGrpSpPr>
+        <p:cNvPr id="1" name=""/>
+        <p:cNvGrpSpPr/>
+        <p:nvPr/>
+      </p:nvGrpSpPr>
+      <p:grpSpPr>
+        <a:xfrm>
+          <a:off x="0" y="0"/>
+          <a:ext cx="0" cy="0"/>
+          <a:chOff x="0" y="0"/>
+          <a:chExt cx="0" cy="0"/>
+        </a:xfrm>
+      </p:grpSpPr>
+      <p:sp>
+        <p:nvSpPr>
+          <p:cNvPr id="2" name="Titolo 1">
+            <a:extLst>
+              <a:ext uri="{FF2B5EF4-FFF2-40B4-BE49-F238E27FC236}">
+                <a16:creationId xmlns:a16="http://schemas.microsoft.com/office/drawing/2014/main" id="{36F20C24-C8EC-4969-99B8-B17B8E39B4A2}"/>
+              </a:ext>
+            </a:extLst>
+          </p:cNvPr>
+          <p:cNvSpPr>
+            <a:spLocks noGrp="1"/>
+          </p:cNvSpPr>
+          <p:nvPr>
+            <p:ph type="title"/>
+          </p:nvPr>
+        </p:nvSpPr>
+        <p:spPr/>
+        <p:txBody>
+          <a:bodyPr/>
+          <a:lstStyle/>
+          <a:p>
+            <a:r>
+              <a:rPr lang="it-IT" dirty="0"/>
+              <a:t>Versione con </a:t>
+            </a:r>
+            <a:r>
+              <a:rPr lang="it-IT" dirty="0" err="1"/>
+              <a:t>Javascript</a:t>
+            </a:r>
+            <a:endParaRPr lang="it-IT" dirty="0"/>
+          </a:p>
+        </p:txBody>
+      </p:sp>
+      <p:sp>
+        <p:nvSpPr>
+          <p:cNvPr id="3" name="Segnaposto contenuto 2">
+            <a:extLst>
+              <a:ext uri="{FF2B5EF4-FFF2-40B4-BE49-F238E27FC236}">
+                <a16:creationId xmlns:a16="http://schemas.microsoft.com/office/drawing/2014/main" id="{C7010E9C-DD2C-4451-8DF7-9D8250D61CE7}"/>
+              </a:ext>
+            </a:extLst>
+          </p:cNvPr>
+          <p:cNvSpPr>
+            <a:spLocks noGrp="1"/>
+          </p:cNvSpPr>
+          <p:nvPr>
+            <p:ph idx="1"/>
+          </p:nvPr>
+        </p:nvSpPr>
+        <p:spPr>
+          <a:xfrm>
+            <a:off x="838200" y="1459832"/>
+            <a:ext cx="10515600" cy="4717131"/>
+          </a:xfrm>
+        </p:spPr>
+        <p:txBody>
+          <a:bodyPr>
+            <a:normAutofit fontScale="85000" lnSpcReduction="20000"/>
+          </a:bodyPr>
+          <a:lstStyle/>
+          <a:p>
+            <a:pPr marL="0" indent="0">
+              <a:buNone/>
+            </a:pPr>
+            <a:r>
+              <a:rPr lang="it-IT" dirty="0"/>
+              <a:t>Si realizzi un’applicazione client server web che estende e/o modifica le specifiche precedenti come segue:</a:t>
+            </a:r>
+          </a:p>
+          <a:p>
+            <a:pPr marL="0" indent="0">
+              <a:buNone/>
+            </a:pPr>
+            <a:r>
+              <a:rPr lang="it-IT" dirty="0"/>
+              <a:t>● Dopo il login dell’utente, l’intera applicazione è realizzata con un’unica pagina.</a:t>
+            </a:r>
+          </a:p>
+          <a:p>
+            <a:pPr marL="0" indent="0">
+              <a:buNone/>
+            </a:pPr>
+            <a:r>
+              <a:rPr lang="it-IT" dirty="0"/>
+              <a:t>● Ogni interazione dell’utente è gestita senza ricaricare completamente la pagina, ma produce l’invocazione asincrona del server e l’eventuale modifica del contenuto da aggiornare a seguito dell’evento. </a:t>
+            </a:r>
+          </a:p>
+          <a:p>
+            <a:pPr marL="0" indent="0">
+              <a:buNone/>
+            </a:pPr>
+            <a:r>
+              <a:rPr lang="it-IT" dirty="0"/>
+              <a:t>● La funzione di spostamento di una categoria è realizzata mediante drag &amp; drop.</a:t>
+            </a:r>
+          </a:p>
+          <a:p>
+            <a:pPr marL="0" indent="0">
+              <a:buNone/>
+            </a:pPr>
+            <a:r>
+              <a:rPr lang="it-IT" dirty="0"/>
+              <a:t>● A seguito del drop della categoria da spostare compare una finestra di dialogo con cui l’utente può confermare o cancellare lo spostamento. La conferma produce l’aggiornamento a lato client dell’albero.</a:t>
+            </a:r>
+          </a:p>
+          <a:p>
+            <a:pPr marL="0" indent="0">
+              <a:buNone/>
+            </a:pPr>
+            <a:r>
+              <a:rPr lang="it-IT" dirty="0"/>
+              <a:t>● L’utente realizza spostamenti anche multipli a lato client. A seguito del primo spostamento compare un bottone SALVA la cui pressione provoca l’invio al server dell’elenco degli spostamenti realizzati (NON dell’intero albero). L’invio degli spostamenti produce l’aggiornamento dell’albero nella base dei dati e la comparsa di un messaggio di conferma dell’avvenuto salvataggio.</a:t>
+            </a:r>
+          </a:p>
+        </p:txBody>
+      </p:sp>
+    </p:spTree>
+    <p:extLst>
+      <p:ext uri="{BB962C8B-B14F-4D97-AF65-F5344CB8AC3E}">
+        <p14:creationId xmlns:p14="http://schemas.microsoft.com/office/powerpoint/2010/main" val="2607107032"/>
+      </p:ext>
+    </p:extLst>
+  </p:cSld>
+  <p:clrMapOvr>
+    <a:masterClrMapping/>
+  </p:clrMapOvr>
+</p:sld>
+</file>
+
+<file path=ppt/slides/slide14.xml><?xml version="1.0" encoding="utf-8"?>
+<p:sld xmlns:a="http://schemas.openxmlformats.org/drawingml/2006/main" xmlns:r="http://schemas.openxmlformats.org/officeDocument/2006/relationships" xmlns:p="http://schemas.openxmlformats.org/presentationml/2006/main">
+  <p:cSld>
+    <p:spTree>
+      <p:nvGrpSpPr>
+        <p:cNvPr id="1" name=""/>
+        <p:cNvGrpSpPr/>
+        <p:nvPr/>
+      </p:nvGrpSpPr>
+      <p:grpSpPr>
+        <a:xfrm>
+          <a:off x="0" y="0"/>
+          <a:ext cx="0" cy="0"/>
+          <a:chOff x="0" y="0"/>
+          <a:chExt cx="0" cy="0"/>
+        </a:xfrm>
+      </p:grpSpPr>
+      <p:sp>
+        <p:nvSpPr>
+          <p:cNvPr id="2" name="Titolo 1">
+            <a:extLst>
+              <a:ext uri="{FF2B5EF4-FFF2-40B4-BE49-F238E27FC236}">
                 <a16:creationId xmlns:a16="http://schemas.microsoft.com/office/drawing/2014/main" id="{84AB7EC6-8512-4755-BD12-B69C9251B9BB}"/>
               </a:ext>
             </a:extLst>
@@ -3724,7 +4044,7 @@
 </p:sld>
 </file>
 
-<file path=ppt/slides/slide13.xml><?xml version="1.0" encoding="utf-8"?>
+<file path=ppt/slides/slide15.xml><?xml version="1.0" encoding="utf-8"?>
 <p:sld xmlns:a="http://schemas.openxmlformats.org/drawingml/2006/main" xmlns:r="http://schemas.openxmlformats.org/officeDocument/2006/relationships" xmlns:p="http://schemas.openxmlformats.org/presentationml/2006/main">
   <p:cSld>
     <p:spTree>
@@ -3994,11 +4314,13 @@
           </a:xfrm>
         </p:spPr>
         <p:txBody>
-          <a:bodyPr/>
-          <a:lstStyle/>
-          <a:p>
-            <a:r>
-              <a:rPr lang="it-IT" dirty="0"/>
+          <a:bodyPr>
+            <a:normAutofit/>
+          </a:bodyPr>
+          <a:lstStyle/>
+          <a:p>
+            <a:r>
+              <a:rPr lang="it-IT" sz="4000" dirty="0"/>
               <a:t>Analisi dei dati</a:t>
             </a:r>
           </a:p>
@@ -4037,31 +4359,7 @@
             </a:pPr>
             <a:r>
               <a:rPr lang="it-IT" sz="2000" dirty="0"/>
-              <a:t>Un’applicazione permette all’utente di gestire una tassonomia di classificazione utile per etichettare </a:t>
-            </a:r>
-            <a:r>
-              <a:rPr lang="it-IT" sz="2000" dirty="0">
-                <a:solidFill>
-                  <a:srgbClr val="FF0000"/>
-                </a:solidFill>
-              </a:rPr>
-              <a:t>immagini</a:t>
-            </a:r>
-            <a:r>
-              <a:rPr lang="it-IT" sz="2000" dirty="0"/>
-              <a:t> allo scopo di consentire la ricerca in base alla </a:t>
-            </a:r>
-            <a:r>
-              <a:rPr lang="it-IT" sz="2000" dirty="0">
-                <a:solidFill>
-                  <a:srgbClr val="FF0000"/>
-                </a:solidFill>
-              </a:rPr>
-              <a:t>categoria</a:t>
-            </a:r>
-            <a:r>
-              <a:rPr lang="it-IT" sz="2000" dirty="0"/>
-              <a:t>. Dopo il login, l’</a:t>
+              <a:t>Un’applicazione permette all’utente di gestire una tassonomia di classificazione utile per etichettare immagini allo scopo di consentire la ricerca in base alla categoria. Dopo il login, l’</a:t>
             </a:r>
             <a:r>
               <a:rPr lang="it-IT" sz="2000" dirty="0">
@@ -4073,7 +4371,19 @@
             </a:r>
             <a:r>
               <a:rPr lang="it-IT" sz="2000" dirty="0"/>
-              <a:t> accede a una pagina HOME in cui compare un albero gerarchico di categorie. Le categorie non dipendono dall’utente e sono in comune tra tutti gli utenti. Le categorie hanno </a:t>
+              <a:t> accede a una pagina HOME in cui compare un albero gerarchico di </a:t>
+            </a:r>
+            <a:r>
+              <a:rPr lang="it-IT" sz="2000" dirty="0">
+                <a:solidFill>
+                  <a:srgbClr val="FF0000"/>
+                </a:solidFill>
+              </a:rPr>
+              <a:t>categorie</a:t>
+            </a:r>
+            <a:r>
+              <a:rPr lang="it-IT" sz="2000" dirty="0"/>
+              <a:t>. Le categorie non dipendono dall’utente e sono in comune tra tutti gli utenti. Le categorie hanno </a:t>
             </a:r>
             <a:r>
               <a:rPr lang="it-IT" sz="2000" dirty="0">
@@ -4134,7 +4444,7 @@
             </a:r>
             <a:r>
               <a:rPr lang="it-IT" sz="2000" dirty="0"/>
-              <a:t>. Alla nuova categoria viene assegnato un </a:t>
+              <a:t>. Alla nuova categoria viene assegnato un codice numerico che ne riflette la </a:t>
             </a:r>
             <a:r>
               <a:rPr lang="it-IT" sz="2000" dirty="0">
@@ -4142,11 +4452,11 @@
                   <a:srgbClr val="00B050"/>
                 </a:solidFill>
               </a:rPr>
-              <a:t>codice numerico </a:t>
+              <a:t>posizione</a:t>
             </a:r>
             <a:r>
               <a:rPr lang="it-IT" sz="2000" dirty="0"/>
-              <a:t>che ne riflette la posizione. Per ogni categoria il numero massimo di sottocategorie è 9.</a:t>
+              <a:t>. Per ogni categoria il numero massimo di sottocategorie è 9.</a:t>
             </a:r>
           </a:p>
           <a:p>
@@ -4189,7 +4499,7 @@
         </p:nvSpPr>
         <p:spPr>
           <a:xfrm>
-            <a:off x="838200" y="6448926"/>
+            <a:off x="838200" y="6304547"/>
             <a:ext cx="2695610" cy="369332"/>
           </a:xfrm>
           <a:prstGeom prst="rect">
@@ -4892,7 +5202,7 @@
             </a:r>
             <a:r>
               <a:rPr lang="it-IT" sz="2000" dirty="0"/>
-              <a:t>. Per fare ciò usa una</a:t>
+              <a:t>. Per fare ciò usa </a:t>
             </a:r>
             <a:r>
               <a:rPr lang="it-IT" sz="2000" dirty="0">
@@ -4900,7 +5210,7 @@
                   <a:srgbClr val="00B050"/>
                 </a:solidFill>
               </a:rPr>
-              <a:t> </a:t>
+              <a:t>una </a:t>
             </a:r>
             <a:r>
               <a:rPr lang="it-IT" sz="2000" dirty="0" err="1">
